--- a/_documments/banners.pptx
+++ b/_documments/banners.pptx
@@ -2,14 +2,14 @@
 <file path=ppt/presentation.xml><?xml version="1.0" encoding="utf-8"?>
 <p:presentation xmlns:a="http://schemas.openxmlformats.org/drawingml/2006/main" xmlns:r="http://schemas.openxmlformats.org/officeDocument/2006/relationships" xmlns:p="http://schemas.openxmlformats.org/presentationml/2006/main" saveSubsetFonts="1">
   <p:sldMasterIdLst>
-    <p:sldMasterId id="2147483684" r:id="rId1"/>
+    <p:sldMasterId id="2147483702" r:id="rId1"/>
   </p:sldMasterIdLst>
   <p:sldIdLst>
     <p:sldId id="256" r:id="rId2"/>
     <p:sldId id="257" r:id="rId3"/>
     <p:sldId id="258" r:id="rId4"/>
   </p:sldIdLst>
-  <p:sldSz cx="12192000" cy="2160588"/>
+  <p:sldSz cx="18311813" cy="2519363"/>
   <p:notesSz cx="6858000" cy="9144000"/>
   <p:defaultTextStyle>
     <a:defPPr>
@@ -106,6 +106,11 @@
       </a:defRPr>
     </a:lvl9pPr>
   </p:defaultTextStyle>
+  <p:extLst>
+    <p:ext uri="{EFAFB233-063F-42B5-8137-9DF3F51BA10A}">
+      <p15:sldGuideLst xmlns:p15="http://schemas.microsoft.com/office/powerpoint/2012/main"/>
+    </p:ext>
+  </p:extLst>
 </p:presentation>
 </file>
 
@@ -138,15 +143,15 @@
         </p:nvSpPr>
         <p:spPr>
           <a:xfrm>
-            <a:off x="1154955" y="456124"/>
-            <a:ext cx="8825658" cy="1048972"/>
+            <a:off x="1734688" y="531866"/>
+            <a:ext cx="13255725" cy="1223159"/>
           </a:xfrm>
         </p:spPr>
         <p:txBody>
           <a:bodyPr anchor="b"/>
           <a:lstStyle>
             <a:lvl1pPr>
-              <a:defRPr sz="2268"/>
+              <a:defRPr sz="2645"/>
             </a:lvl1pPr>
           </a:lstStyle>
           <a:p>
@@ -170,8 +175,8 @@
         </p:nvSpPr>
         <p:spPr>
           <a:xfrm>
-            <a:off x="1154955" y="1505096"/>
-            <a:ext cx="8825658" cy="271387"/>
+            <a:off x="1734688" y="1755024"/>
+            <a:ext cx="13255725" cy="316452"/>
           </a:xfrm>
         </p:spPr>
         <p:txBody>
@@ -188,7 +193,7 @@
                 </a:solidFill>
               </a:defRPr>
             </a:lvl1pPr>
-            <a:lvl2pPr marL="144018" indent="0" algn="ctr">
+            <a:lvl2pPr marL="167975" indent="0" algn="ctr">
               <a:buNone/>
               <a:defRPr>
                 <a:solidFill>
@@ -198,7 +203,7 @@
                 </a:solidFill>
               </a:defRPr>
             </a:lvl2pPr>
-            <a:lvl3pPr marL="288036" indent="0" algn="ctr">
+            <a:lvl3pPr marL="335951" indent="0" algn="ctr">
               <a:buNone/>
               <a:defRPr>
                 <a:solidFill>
@@ -208,7 +213,7 @@
                 </a:solidFill>
               </a:defRPr>
             </a:lvl3pPr>
-            <a:lvl4pPr marL="432054" indent="0" algn="ctr">
+            <a:lvl4pPr marL="503926" indent="0" algn="ctr">
               <a:buNone/>
               <a:defRPr>
                 <a:solidFill>
@@ -218,7 +223,7 @@
                 </a:solidFill>
               </a:defRPr>
             </a:lvl4pPr>
-            <a:lvl5pPr marL="576072" indent="0" algn="ctr">
+            <a:lvl5pPr marL="671901" indent="0" algn="ctr">
               <a:buNone/>
               <a:defRPr>
                 <a:solidFill>
@@ -228,7 +233,7 @@
                 </a:solidFill>
               </a:defRPr>
             </a:lvl5pPr>
-            <a:lvl6pPr marL="720090" indent="0" algn="ctr">
+            <a:lvl6pPr marL="839876" indent="0" algn="ctr">
               <a:buNone/>
               <a:defRPr>
                 <a:solidFill>
@@ -238,7 +243,7 @@
                 </a:solidFill>
               </a:defRPr>
             </a:lvl6pPr>
-            <a:lvl7pPr marL="864108" indent="0" algn="ctr">
+            <a:lvl7pPr marL="1007852" indent="0" algn="ctr">
               <a:buNone/>
               <a:defRPr>
                 <a:solidFill>
@@ -248,7 +253,7 @@
                 </a:solidFill>
               </a:defRPr>
             </a:lvl7pPr>
-            <a:lvl8pPr marL="1008126" indent="0" algn="ctr">
+            <a:lvl8pPr marL="1175827" indent="0" algn="ctr">
               <a:buNone/>
               <a:defRPr>
                 <a:solidFill>
@@ -258,7 +263,7 @@
                 </a:solidFill>
               </a:defRPr>
             </a:lvl8pPr>
-            <a:lvl9pPr marL="1152144" indent="0" algn="ctr">
+            <a:lvl9pPr marL="1343802" indent="0" algn="ctr">
               <a:buNone/>
               <a:defRPr>
                 <a:solidFill>
@@ -346,7 +351,7 @@
     </p:spTree>
     <p:extLst>
       <p:ext uri="{BB962C8B-B14F-4D97-AF65-F5344CB8AC3E}">
-        <p14:creationId xmlns:p14="http://schemas.microsoft.com/office/powerpoint/2010/main" val="1773581613"/>
+        <p14:creationId xmlns:p14="http://schemas.microsoft.com/office/powerpoint/2010/main" val="3688365228"/>
       </p:ext>
     </p:extLst>
   </p:cSld>
@@ -385,8 +390,8 @@
         </p:nvSpPr>
         <p:spPr>
           <a:xfrm>
-            <a:off x="1154957" y="1512407"/>
-            <a:ext cx="8825657" cy="178549"/>
+            <a:off x="1734691" y="1763549"/>
+            <a:ext cx="13255723" cy="208198"/>
           </a:xfrm>
         </p:spPr>
         <p:txBody>
@@ -395,7 +400,7 @@
           </a:bodyPr>
           <a:lstStyle>
             <a:lvl1pPr algn="l">
-              <a:defRPr sz="756" b="0"/>
+              <a:defRPr sz="882" b="0"/>
             </a:lvl1pPr>
           </a:lstStyle>
           <a:p>
@@ -419,8 +424,8 @@
         </p:nvSpPr>
         <p:spPr>
           <a:xfrm>
-            <a:off x="1154955" y="216059"/>
-            <a:ext cx="8825658" cy="1146979"/>
+            <a:off x="1734688" y="251936"/>
+            <a:ext cx="13255725" cy="1337439"/>
           </a:xfrm>
           <a:prstGeom prst="roundRect">
             <a:avLst>
@@ -442,39 +447,39 @@
           <a:lstStyle>
             <a:lvl1pPr marL="0" indent="0" algn="ctr">
               <a:buNone/>
-              <a:defRPr sz="504"/>
+              <a:defRPr sz="588"/>
             </a:lvl1pPr>
-            <a:lvl2pPr marL="144018" indent="0">
-              <a:buNone/>
-              <a:defRPr sz="504"/>
+            <a:lvl2pPr marL="167975" indent="0">
+              <a:buNone/>
+              <a:defRPr sz="588"/>
             </a:lvl2pPr>
-            <a:lvl3pPr marL="288036" indent="0">
-              <a:buNone/>
-              <a:defRPr sz="504"/>
+            <a:lvl3pPr marL="335951" indent="0">
+              <a:buNone/>
+              <a:defRPr sz="588"/>
             </a:lvl3pPr>
-            <a:lvl4pPr marL="432054" indent="0">
-              <a:buNone/>
-              <a:defRPr sz="504"/>
+            <a:lvl4pPr marL="503926" indent="0">
+              <a:buNone/>
+              <a:defRPr sz="588"/>
             </a:lvl4pPr>
-            <a:lvl5pPr marL="576072" indent="0">
-              <a:buNone/>
-              <a:defRPr sz="504"/>
+            <a:lvl5pPr marL="671901" indent="0">
+              <a:buNone/>
+              <a:defRPr sz="588"/>
             </a:lvl5pPr>
-            <a:lvl6pPr marL="720090" indent="0">
-              <a:buNone/>
-              <a:defRPr sz="504"/>
+            <a:lvl6pPr marL="839876" indent="0">
+              <a:buNone/>
+              <a:defRPr sz="588"/>
             </a:lvl6pPr>
-            <a:lvl7pPr marL="864108" indent="0">
-              <a:buNone/>
-              <a:defRPr sz="504"/>
+            <a:lvl7pPr marL="1007852" indent="0">
+              <a:buNone/>
+              <a:defRPr sz="588"/>
             </a:lvl7pPr>
-            <a:lvl8pPr marL="1008126" indent="0">
-              <a:buNone/>
-              <a:defRPr sz="504"/>
+            <a:lvl8pPr marL="1175827" indent="0">
+              <a:buNone/>
+              <a:defRPr sz="588"/>
             </a:lvl8pPr>
-            <a:lvl9pPr marL="1152144" indent="0">
-              <a:buNone/>
-              <a:defRPr sz="504"/>
+            <a:lvl9pPr marL="1343802" indent="0">
+              <a:buNone/>
+              <a:defRPr sz="588"/>
             </a:lvl9pPr>
           </a:lstStyle>
           <a:p>
@@ -498,8 +503,8 @@
         </p:nvSpPr>
         <p:spPr>
           <a:xfrm>
-            <a:off x="1154956" y="1690956"/>
-            <a:ext cx="8825656" cy="155542"/>
+            <a:off x="1734690" y="1971747"/>
+            <a:ext cx="13255722" cy="181371"/>
           </a:xfrm>
         </p:spPr>
         <p:txBody>
@@ -509,39 +514,39 @@
           <a:lstStyle>
             <a:lvl1pPr marL="0" indent="0">
               <a:buNone/>
-              <a:defRPr sz="378"/>
+              <a:defRPr sz="441"/>
             </a:lvl1pPr>
-            <a:lvl2pPr marL="144018" indent="0">
-              <a:buNone/>
-              <a:defRPr sz="378"/>
+            <a:lvl2pPr marL="167975" indent="0">
+              <a:buNone/>
+              <a:defRPr sz="441"/>
             </a:lvl2pPr>
-            <a:lvl3pPr marL="288036" indent="0">
-              <a:buNone/>
-              <a:defRPr sz="315"/>
+            <a:lvl3pPr marL="335951" indent="0">
+              <a:buNone/>
+              <a:defRPr sz="367"/>
             </a:lvl3pPr>
-            <a:lvl4pPr marL="432054" indent="0">
-              <a:buNone/>
-              <a:defRPr sz="284"/>
+            <a:lvl4pPr marL="503926" indent="0">
+              <a:buNone/>
+              <a:defRPr sz="331"/>
             </a:lvl4pPr>
-            <a:lvl5pPr marL="576072" indent="0">
-              <a:buNone/>
-              <a:defRPr sz="284"/>
+            <a:lvl5pPr marL="671901" indent="0">
+              <a:buNone/>
+              <a:defRPr sz="331"/>
             </a:lvl5pPr>
-            <a:lvl6pPr marL="720090" indent="0">
-              <a:buNone/>
-              <a:defRPr sz="284"/>
+            <a:lvl6pPr marL="839876" indent="0">
+              <a:buNone/>
+              <a:defRPr sz="331"/>
             </a:lvl6pPr>
-            <a:lvl7pPr marL="864108" indent="0">
-              <a:buNone/>
-              <a:defRPr sz="284"/>
+            <a:lvl7pPr marL="1007852" indent="0">
+              <a:buNone/>
+              <a:defRPr sz="331"/>
             </a:lvl7pPr>
-            <a:lvl8pPr marL="1008126" indent="0">
-              <a:buNone/>
-              <a:defRPr sz="284"/>
+            <a:lvl8pPr marL="1175827" indent="0">
+              <a:buNone/>
+              <a:defRPr sz="331"/>
             </a:lvl8pPr>
-            <a:lvl9pPr marL="1152144" indent="0">
-              <a:buNone/>
-              <a:defRPr sz="284"/>
+            <a:lvl9pPr marL="1343802" indent="0">
+              <a:buNone/>
+              <a:defRPr sz="331"/>
             </a:lvl9pPr>
           </a:lstStyle>
           <a:p>
@@ -621,7 +626,7 @@
     </p:spTree>
     <p:extLst>
       <p:ext uri="{BB962C8B-B14F-4D97-AF65-F5344CB8AC3E}">
-        <p14:creationId xmlns:p14="http://schemas.microsoft.com/office/powerpoint/2010/main" val="2850183594"/>
+        <p14:creationId xmlns:p14="http://schemas.microsoft.com/office/powerpoint/2010/main" val="1414859473"/>
       </p:ext>
     </p:extLst>
   </p:cSld>
@@ -660,15 +665,15 @@
         </p:nvSpPr>
         <p:spPr>
           <a:xfrm>
-            <a:off x="1154955" y="456124"/>
-            <a:ext cx="8825659" cy="624170"/>
+            <a:off x="1734688" y="531866"/>
+            <a:ext cx="13255726" cy="727816"/>
           </a:xfrm>
         </p:spPr>
         <p:txBody>
           <a:bodyPr/>
           <a:lstStyle>
             <a:lvl1pPr>
-              <a:defRPr sz="1512"/>
+              <a:defRPr sz="1764"/>
             </a:lvl1pPr>
           </a:lstStyle>
           <a:p>
@@ -692,8 +697,8 @@
         </p:nvSpPr>
         <p:spPr>
           <a:xfrm>
-            <a:off x="1154955" y="1152313"/>
-            <a:ext cx="8825659" cy="744203"/>
+            <a:off x="1734688" y="1343660"/>
+            <a:ext cx="13255726" cy="867781"/>
           </a:xfrm>
         </p:spPr>
         <p:txBody>
@@ -703,39 +708,39 @@
           <a:lstStyle>
             <a:lvl1pPr marL="0" indent="0">
               <a:buNone/>
-              <a:defRPr sz="567"/>
+              <a:defRPr sz="661"/>
             </a:lvl1pPr>
-            <a:lvl2pPr marL="144018" indent="0">
-              <a:buNone/>
-              <a:defRPr sz="378"/>
+            <a:lvl2pPr marL="167975" indent="0">
+              <a:buNone/>
+              <a:defRPr sz="441"/>
             </a:lvl2pPr>
-            <a:lvl3pPr marL="288036" indent="0">
-              <a:buNone/>
-              <a:defRPr sz="315"/>
+            <a:lvl3pPr marL="335951" indent="0">
+              <a:buNone/>
+              <a:defRPr sz="367"/>
             </a:lvl3pPr>
-            <a:lvl4pPr marL="432054" indent="0">
-              <a:buNone/>
-              <a:defRPr sz="284"/>
+            <a:lvl4pPr marL="503926" indent="0">
+              <a:buNone/>
+              <a:defRPr sz="331"/>
             </a:lvl4pPr>
-            <a:lvl5pPr marL="576072" indent="0">
-              <a:buNone/>
-              <a:defRPr sz="284"/>
+            <a:lvl5pPr marL="671901" indent="0">
+              <a:buNone/>
+              <a:defRPr sz="331"/>
             </a:lvl5pPr>
-            <a:lvl6pPr marL="720090" indent="0">
-              <a:buNone/>
-              <a:defRPr sz="284"/>
+            <a:lvl6pPr marL="839876" indent="0">
+              <a:buNone/>
+              <a:defRPr sz="331"/>
             </a:lvl6pPr>
-            <a:lvl7pPr marL="864108" indent="0">
-              <a:buNone/>
-              <a:defRPr sz="284"/>
+            <a:lvl7pPr marL="1007852" indent="0">
+              <a:buNone/>
+              <a:defRPr sz="331"/>
             </a:lvl7pPr>
-            <a:lvl8pPr marL="1008126" indent="0">
-              <a:buNone/>
-              <a:defRPr sz="284"/>
+            <a:lvl8pPr marL="1175827" indent="0">
+              <a:buNone/>
+              <a:defRPr sz="331"/>
             </a:lvl8pPr>
-            <a:lvl9pPr marL="1152144" indent="0">
-              <a:buNone/>
-              <a:defRPr sz="284"/>
+            <a:lvl9pPr marL="1343802" indent="0">
+              <a:buNone/>
+              <a:defRPr sz="331"/>
             </a:lvl9pPr>
           </a:lstStyle>
           <a:p>
@@ -815,7 +820,7 @@
     </p:spTree>
     <p:extLst>
       <p:ext uri="{BB962C8B-B14F-4D97-AF65-F5344CB8AC3E}">
-        <p14:creationId xmlns:p14="http://schemas.microsoft.com/office/powerpoint/2010/main" val="3294115514"/>
+        <p14:creationId xmlns:p14="http://schemas.microsoft.com/office/powerpoint/2010/main" val="4020023457"/>
       </p:ext>
     </p:extLst>
   </p:cSld>
@@ -854,15 +859,15 @@
         </p:nvSpPr>
         <p:spPr>
           <a:xfrm>
-            <a:off x="1574802" y="456124"/>
-            <a:ext cx="7999315" cy="731971"/>
+            <a:off x="2365278" y="531866"/>
+            <a:ext cx="12014596" cy="853517"/>
           </a:xfrm>
         </p:spPr>
         <p:txBody>
           <a:bodyPr/>
           <a:lstStyle>
             <a:lvl1pPr>
-              <a:defRPr sz="1512"/>
+              <a:defRPr sz="1764"/>
             </a:lvl1pPr>
           </a:lstStyle>
           <a:p>
@@ -886,8 +891,8 @@
         </p:nvSpPr>
         <p:spPr>
           <a:xfrm>
-            <a:off x="1930401" y="1188095"/>
-            <a:ext cx="7279649" cy="107801"/>
+            <a:off x="2899371" y="1385383"/>
+            <a:ext cx="10933692" cy="125701"/>
           </a:xfrm>
         </p:spPr>
         <p:txBody>
@@ -897,7 +902,7 @@
           <a:lstStyle>
             <a:lvl1pPr marL="0" indent="0">
               <a:buNone/>
-              <a:defRPr lang="en-US" sz="441" b="0" i="0" kern="1200" cap="small" dirty="0">
+              <a:defRPr lang="en-US" sz="514" b="0" i="0" kern="1200" cap="small" dirty="0">
                 <a:solidFill>
                   <a:schemeClr val="bg2">
                     <a:lumMod val="40000"/>
@@ -909,37 +914,37 @@
                 <a:cs typeface="+mj-cs"/>
               </a:defRPr>
             </a:lvl1pPr>
-            <a:lvl2pPr marL="144018" indent="0">
-              <a:buNone/>
-              <a:defRPr sz="378"/>
+            <a:lvl2pPr marL="167975" indent="0">
+              <a:buNone/>
+              <a:defRPr sz="441"/>
             </a:lvl2pPr>
-            <a:lvl3pPr marL="288036" indent="0">
-              <a:buNone/>
-              <a:defRPr sz="315"/>
+            <a:lvl3pPr marL="335951" indent="0">
+              <a:buNone/>
+              <a:defRPr sz="367"/>
             </a:lvl3pPr>
-            <a:lvl4pPr marL="432054" indent="0">
-              <a:buNone/>
-              <a:defRPr sz="284"/>
+            <a:lvl4pPr marL="503926" indent="0">
+              <a:buNone/>
+              <a:defRPr sz="331"/>
             </a:lvl4pPr>
-            <a:lvl5pPr marL="576072" indent="0">
-              <a:buNone/>
-              <a:defRPr sz="284"/>
+            <a:lvl5pPr marL="671901" indent="0">
+              <a:buNone/>
+              <a:defRPr sz="331"/>
             </a:lvl5pPr>
-            <a:lvl6pPr marL="720090" indent="0">
-              <a:buNone/>
-              <a:defRPr sz="284"/>
+            <a:lvl6pPr marL="839876" indent="0">
+              <a:buNone/>
+              <a:defRPr sz="331"/>
             </a:lvl6pPr>
-            <a:lvl7pPr marL="864108" indent="0">
-              <a:buNone/>
-              <a:defRPr sz="284"/>
+            <a:lvl7pPr marL="1007852" indent="0">
+              <a:buNone/>
+              <a:defRPr sz="331"/>
             </a:lvl7pPr>
-            <a:lvl8pPr marL="1008126" indent="0">
-              <a:buNone/>
-              <a:defRPr sz="284"/>
+            <a:lvl8pPr marL="1175827" indent="0">
+              <a:buNone/>
+              <a:defRPr sz="331"/>
             </a:lvl8pPr>
-            <a:lvl9pPr marL="1152144" indent="0">
-              <a:buNone/>
-              <a:defRPr sz="284"/>
+            <a:lvl9pPr marL="1343802" indent="0">
+              <a:buNone/>
+              <a:defRPr sz="331"/>
             </a:lvl9pPr>
           </a:lstStyle>
           <a:p>
@@ -965,8 +970,8 @@
         </p:nvSpPr>
         <p:spPr>
           <a:xfrm>
-            <a:off x="1154955" y="1370659"/>
-            <a:ext cx="8825659" cy="528144"/>
+            <a:off x="1734688" y="1598263"/>
+            <a:ext cx="13255726" cy="615844"/>
           </a:xfrm>
         </p:spPr>
         <p:txBody>
@@ -976,39 +981,39 @@
           <a:lstStyle>
             <a:lvl1pPr marL="0" indent="0">
               <a:buNone/>
-              <a:defRPr sz="567"/>
+              <a:defRPr sz="661"/>
             </a:lvl1pPr>
-            <a:lvl2pPr marL="144018" indent="0">
-              <a:buNone/>
-              <a:defRPr sz="378"/>
+            <a:lvl2pPr marL="167975" indent="0">
+              <a:buNone/>
+              <a:defRPr sz="441"/>
             </a:lvl2pPr>
-            <a:lvl3pPr marL="288036" indent="0">
-              <a:buNone/>
-              <a:defRPr sz="315"/>
+            <a:lvl3pPr marL="335951" indent="0">
+              <a:buNone/>
+              <a:defRPr sz="367"/>
             </a:lvl3pPr>
-            <a:lvl4pPr marL="432054" indent="0">
-              <a:buNone/>
-              <a:defRPr sz="284"/>
+            <a:lvl4pPr marL="503926" indent="0">
+              <a:buNone/>
+              <a:defRPr sz="331"/>
             </a:lvl4pPr>
-            <a:lvl5pPr marL="576072" indent="0">
-              <a:buNone/>
-              <a:defRPr sz="284"/>
+            <a:lvl5pPr marL="671901" indent="0">
+              <a:buNone/>
+              <a:defRPr sz="331"/>
             </a:lvl5pPr>
-            <a:lvl6pPr marL="720090" indent="0">
-              <a:buNone/>
-              <a:defRPr sz="284"/>
+            <a:lvl6pPr marL="839876" indent="0">
+              <a:buNone/>
+              <a:defRPr sz="331"/>
             </a:lvl6pPr>
-            <a:lvl7pPr marL="864108" indent="0">
-              <a:buNone/>
-              <a:defRPr sz="284"/>
+            <a:lvl7pPr marL="1007852" indent="0">
+              <a:buNone/>
+              <a:defRPr sz="331"/>
             </a:lvl7pPr>
-            <a:lvl8pPr marL="1008126" indent="0">
-              <a:buNone/>
-              <a:defRPr sz="284"/>
+            <a:lvl8pPr marL="1175827" indent="0">
+              <a:buNone/>
+              <a:defRPr sz="331"/>
             </a:lvl8pPr>
-            <a:lvl9pPr marL="1152144" indent="0">
-              <a:buNone/>
-              <a:defRPr sz="284"/>
+            <a:lvl9pPr marL="1343802" indent="0">
+              <a:buNone/>
+              <a:defRPr sz="331"/>
             </a:lvl9pPr>
           </a:lstStyle>
           <a:p>
@@ -1093,8 +1098,8 @@
         </p:nvSpPr>
         <p:spPr>
           <a:xfrm>
-            <a:off x="898295" y="305990"/>
-            <a:ext cx="801912" cy="683713"/>
+            <a:off x="1349197" y="356800"/>
+            <a:ext cx="1204434" cy="782074"/>
           </a:xfrm>
           <a:prstGeom prst="rect">
             <a:avLst/>
@@ -1126,7 +1131,7 @@
           <a:p>
             <a:pPr lvl="0"/>
             <a:r>
-              <a:rPr lang="en-US" sz="3843" dirty="0"/>
+              <a:rPr lang="en-US" sz="4482" dirty="0"/>
               <a:t>“</a:t>
             </a:r>
           </a:p>
@@ -1140,8 +1145,8 @@
         </p:nvSpPr>
         <p:spPr>
           <a:xfrm>
-            <a:off x="9330490" y="823464"/>
-            <a:ext cx="801912" cy="683713"/>
+            <a:off x="14013959" y="960204"/>
+            <a:ext cx="1204434" cy="782074"/>
           </a:xfrm>
           <a:prstGeom prst="rect">
             <a:avLst/>
@@ -1173,7 +1178,7 @@
           <a:p>
             <a:pPr lvl="0"/>
             <a:r>
-              <a:rPr lang="en-US" sz="3843" dirty="0"/>
+              <a:rPr lang="en-US" sz="4482" dirty="0"/>
               <a:t>”</a:t>
             </a:r>
           </a:p>
@@ -1182,7 +1187,7 @@
     </p:spTree>
     <p:extLst>
       <p:ext uri="{BB962C8B-B14F-4D97-AF65-F5344CB8AC3E}">
-        <p14:creationId xmlns:p14="http://schemas.microsoft.com/office/powerpoint/2010/main" val="3745085036"/>
+        <p14:creationId xmlns:p14="http://schemas.microsoft.com/office/powerpoint/2010/main" val="2332456718"/>
       </p:ext>
     </p:extLst>
   </p:cSld>
@@ -1221,15 +1226,15 @@
         </p:nvSpPr>
         <p:spPr>
           <a:xfrm>
-            <a:off x="1154954" y="984268"/>
-            <a:ext cx="8825660" cy="520828"/>
+            <a:off x="1734687" y="1147710"/>
+            <a:ext cx="13255728" cy="607314"/>
           </a:xfrm>
         </p:spPr>
         <p:txBody>
           <a:bodyPr anchor="b"/>
           <a:lstStyle>
             <a:lvl1pPr algn="l">
-              <a:defRPr sz="1260" b="0" cap="none"/>
+              <a:defRPr sz="1470" b="0" cap="none"/>
             </a:lvl1pPr>
           </a:lstStyle>
           <a:p>
@@ -1253,8 +1258,8 @@
         </p:nvSpPr>
         <p:spPr>
           <a:xfrm>
-            <a:off x="1154955" y="1505096"/>
-            <a:ext cx="8825659" cy="271066"/>
+            <a:off x="1734688" y="1755024"/>
+            <a:ext cx="13255726" cy="316078"/>
           </a:xfrm>
         </p:spPr>
         <p:txBody>
@@ -1262,7 +1267,7 @@
           <a:lstStyle>
             <a:lvl1pPr marL="0" indent="0" algn="l">
               <a:buNone/>
-              <a:defRPr sz="630" cap="none">
+              <a:defRPr sz="735" cap="none">
                 <a:solidFill>
                   <a:schemeClr val="bg2">
                     <a:lumMod val="40000"/>
@@ -1271,9 +1276,9 @@
                 </a:solidFill>
               </a:defRPr>
             </a:lvl1pPr>
-            <a:lvl2pPr marL="144018" indent="0">
-              <a:buNone/>
-              <a:defRPr sz="567">
+            <a:lvl2pPr marL="167975" indent="0">
+              <a:buNone/>
+              <a:defRPr sz="661">
                 <a:solidFill>
                   <a:schemeClr val="tx1">
                     <a:tint val="75000"/>
@@ -1281,9 +1286,9 @@
                 </a:solidFill>
               </a:defRPr>
             </a:lvl2pPr>
-            <a:lvl3pPr marL="288036" indent="0">
-              <a:buNone/>
-              <a:defRPr sz="504">
+            <a:lvl3pPr marL="335951" indent="0">
+              <a:buNone/>
+              <a:defRPr sz="588">
                 <a:solidFill>
                   <a:schemeClr val="tx1">
                     <a:tint val="75000"/>
@@ -1291,9 +1296,9 @@
                 </a:solidFill>
               </a:defRPr>
             </a:lvl3pPr>
-            <a:lvl4pPr marL="432054" indent="0">
-              <a:buNone/>
-              <a:defRPr sz="441">
+            <a:lvl4pPr marL="503926" indent="0">
+              <a:buNone/>
+              <a:defRPr sz="514">
                 <a:solidFill>
                   <a:schemeClr val="tx1">
                     <a:tint val="75000"/>
@@ -1301,9 +1306,9 @@
                 </a:solidFill>
               </a:defRPr>
             </a:lvl4pPr>
-            <a:lvl5pPr marL="576072" indent="0">
-              <a:buNone/>
-              <a:defRPr sz="441">
+            <a:lvl5pPr marL="671901" indent="0">
+              <a:buNone/>
+              <a:defRPr sz="514">
                 <a:solidFill>
                   <a:schemeClr val="tx1">
                     <a:tint val="75000"/>
@@ -1311,9 +1316,9 @@
                 </a:solidFill>
               </a:defRPr>
             </a:lvl5pPr>
-            <a:lvl6pPr marL="720090" indent="0">
-              <a:buNone/>
-              <a:defRPr sz="441">
+            <a:lvl6pPr marL="839876" indent="0">
+              <a:buNone/>
+              <a:defRPr sz="514">
                 <a:solidFill>
                   <a:schemeClr val="tx1">
                     <a:tint val="75000"/>
@@ -1321,9 +1326,9 @@
                 </a:solidFill>
               </a:defRPr>
             </a:lvl6pPr>
-            <a:lvl7pPr marL="864108" indent="0">
-              <a:buNone/>
-              <a:defRPr sz="441">
+            <a:lvl7pPr marL="1007852" indent="0">
+              <a:buNone/>
+              <a:defRPr sz="514">
                 <a:solidFill>
                   <a:schemeClr val="tx1">
                     <a:tint val="75000"/>
@@ -1331,9 +1336,9 @@
                 </a:solidFill>
               </a:defRPr>
             </a:lvl7pPr>
-            <a:lvl8pPr marL="1008126" indent="0">
-              <a:buNone/>
-              <a:defRPr sz="441">
+            <a:lvl8pPr marL="1175827" indent="0">
+              <a:buNone/>
+              <a:defRPr sz="514">
                 <a:solidFill>
                   <a:schemeClr val="tx1">
                     <a:tint val="75000"/>
@@ -1341,9 +1346,9 @@
                 </a:solidFill>
               </a:defRPr>
             </a:lvl8pPr>
-            <a:lvl9pPr marL="1152144" indent="0">
-              <a:buNone/>
-              <a:defRPr sz="441">
+            <a:lvl9pPr marL="1343802" indent="0">
+              <a:buNone/>
+              <a:defRPr sz="514">
                 <a:solidFill>
                   <a:schemeClr val="tx1">
                     <a:tint val="75000"/>
@@ -1429,7 +1434,7 @@
     </p:spTree>
     <p:extLst>
       <p:ext uri="{BB962C8B-B14F-4D97-AF65-F5344CB8AC3E}">
-        <p14:creationId xmlns:p14="http://schemas.microsoft.com/office/powerpoint/2010/main" val="3083664163"/>
+        <p14:creationId xmlns:p14="http://schemas.microsoft.com/office/powerpoint/2010/main" val="4175986643"/>
       </p:ext>
     </p:extLst>
   </p:cSld>
@@ -1471,7 +1476,7 @@
           <a:bodyPr/>
           <a:lstStyle>
             <a:lvl1pPr>
-              <a:defRPr sz="1323"/>
+              <a:defRPr sz="1543"/>
             </a:lvl1pPr>
           </a:lstStyle>
           <a:p>
@@ -1495,8 +1500,8 @@
         </p:nvSpPr>
         <p:spPr>
           <a:xfrm>
-            <a:off x="632947" y="624170"/>
-            <a:ext cx="2946866" cy="181549"/>
+            <a:off x="950657" y="727816"/>
+            <a:ext cx="4426055" cy="211696"/>
           </a:xfrm>
         </p:spPr>
         <p:txBody>
@@ -1506,7 +1511,7 @@
           <a:lstStyle>
             <a:lvl1pPr marL="0" indent="0">
               <a:buNone/>
-              <a:defRPr sz="756" b="0">
+              <a:defRPr sz="882" b="0">
                 <a:solidFill>
                   <a:schemeClr val="bg2">
                     <a:lumMod val="40000"/>
@@ -1515,37 +1520,37 @@
                 </a:solidFill>
               </a:defRPr>
             </a:lvl1pPr>
-            <a:lvl2pPr marL="144018" indent="0">
-              <a:buNone/>
-              <a:defRPr sz="630" b="1"/>
+            <a:lvl2pPr marL="167975" indent="0">
+              <a:buNone/>
+              <a:defRPr sz="735" b="1"/>
             </a:lvl2pPr>
-            <a:lvl3pPr marL="288036" indent="0">
-              <a:buNone/>
-              <a:defRPr sz="567" b="1"/>
+            <a:lvl3pPr marL="335951" indent="0">
+              <a:buNone/>
+              <a:defRPr sz="661" b="1"/>
             </a:lvl3pPr>
-            <a:lvl4pPr marL="432054" indent="0">
-              <a:buNone/>
-              <a:defRPr sz="504" b="1"/>
+            <a:lvl4pPr marL="503926" indent="0">
+              <a:buNone/>
+              <a:defRPr sz="588" b="1"/>
             </a:lvl4pPr>
-            <a:lvl5pPr marL="576072" indent="0">
-              <a:buNone/>
-              <a:defRPr sz="504" b="1"/>
+            <a:lvl5pPr marL="671901" indent="0">
+              <a:buNone/>
+              <a:defRPr sz="588" b="1"/>
             </a:lvl5pPr>
-            <a:lvl6pPr marL="720090" indent="0">
-              <a:buNone/>
-              <a:defRPr sz="504" b="1"/>
+            <a:lvl6pPr marL="839876" indent="0">
+              <a:buNone/>
+              <a:defRPr sz="588" b="1"/>
             </a:lvl6pPr>
-            <a:lvl7pPr marL="864108" indent="0">
-              <a:buNone/>
-              <a:defRPr sz="504" b="1"/>
+            <a:lvl7pPr marL="1007852" indent="0">
+              <a:buNone/>
+              <a:defRPr sz="588" b="1"/>
             </a:lvl7pPr>
-            <a:lvl8pPr marL="1008126" indent="0">
-              <a:buNone/>
-              <a:defRPr sz="504" b="1"/>
+            <a:lvl8pPr marL="1175827" indent="0">
+              <a:buNone/>
+              <a:defRPr sz="588" b="1"/>
             </a:lvl8pPr>
-            <a:lvl9pPr marL="1152144" indent="0">
-              <a:buNone/>
-              <a:defRPr sz="504" b="1"/>
+            <a:lvl9pPr marL="1343802" indent="0">
+              <a:buNone/>
+              <a:defRPr sz="588" b="1"/>
             </a:lvl9pPr>
           </a:lstStyle>
           <a:p>
@@ -1569,8 +1574,8 @@
         </p:nvSpPr>
         <p:spPr>
           <a:xfrm>
-            <a:off x="652463" y="840229"/>
-            <a:ext cx="2927350" cy="1130808"/>
+            <a:off x="979969" y="979753"/>
+            <a:ext cx="4396743" cy="1318583"/>
           </a:xfrm>
         </p:spPr>
         <p:txBody>
@@ -1580,39 +1585,39 @@
           <a:lstStyle>
             <a:lvl1pPr marL="0" indent="0">
               <a:buNone/>
+              <a:defRPr sz="514"/>
+            </a:lvl1pPr>
+            <a:lvl2pPr marL="167975" indent="0">
+              <a:buNone/>
               <a:defRPr sz="441"/>
-            </a:lvl1pPr>
-            <a:lvl2pPr marL="144018" indent="0">
-              <a:buNone/>
-              <a:defRPr sz="378"/>
             </a:lvl2pPr>
-            <a:lvl3pPr marL="288036" indent="0">
-              <a:buNone/>
-              <a:defRPr sz="315"/>
+            <a:lvl3pPr marL="335951" indent="0">
+              <a:buNone/>
+              <a:defRPr sz="367"/>
             </a:lvl3pPr>
-            <a:lvl4pPr marL="432054" indent="0">
-              <a:buNone/>
-              <a:defRPr sz="284"/>
+            <a:lvl4pPr marL="503926" indent="0">
+              <a:buNone/>
+              <a:defRPr sz="331"/>
             </a:lvl4pPr>
-            <a:lvl5pPr marL="576072" indent="0">
-              <a:buNone/>
-              <a:defRPr sz="284"/>
+            <a:lvl5pPr marL="671901" indent="0">
+              <a:buNone/>
+              <a:defRPr sz="331"/>
             </a:lvl5pPr>
-            <a:lvl6pPr marL="720090" indent="0">
-              <a:buNone/>
-              <a:defRPr sz="284"/>
+            <a:lvl6pPr marL="839876" indent="0">
+              <a:buNone/>
+              <a:defRPr sz="331"/>
             </a:lvl6pPr>
-            <a:lvl7pPr marL="864108" indent="0">
-              <a:buNone/>
-              <a:defRPr sz="284"/>
+            <a:lvl7pPr marL="1007852" indent="0">
+              <a:buNone/>
+              <a:defRPr sz="331"/>
             </a:lvl7pPr>
-            <a:lvl8pPr marL="1008126" indent="0">
-              <a:buNone/>
-              <a:defRPr sz="284"/>
+            <a:lvl8pPr marL="1175827" indent="0">
+              <a:buNone/>
+              <a:defRPr sz="331"/>
             </a:lvl8pPr>
-            <a:lvl9pPr marL="1152144" indent="0">
-              <a:buNone/>
-              <a:defRPr sz="284"/>
+            <a:lvl9pPr marL="1343802" indent="0">
+              <a:buNone/>
+              <a:defRPr sz="331"/>
             </a:lvl9pPr>
           </a:lstStyle>
           <a:p>
@@ -1636,8 +1641,8 @@
         </p:nvSpPr>
         <p:spPr>
           <a:xfrm>
-            <a:off x="3883660" y="624170"/>
-            <a:ext cx="2936241" cy="181549"/>
+            <a:off x="5833075" y="727816"/>
+            <a:ext cx="4410096" cy="211696"/>
           </a:xfrm>
         </p:spPr>
         <p:txBody>
@@ -1647,7 +1652,7 @@
           <a:lstStyle>
             <a:lvl1pPr marL="0" indent="0">
               <a:buNone/>
-              <a:defRPr sz="756" b="0">
+              <a:defRPr sz="882" b="0">
                 <a:solidFill>
                   <a:schemeClr val="bg2">
                     <a:lumMod val="40000"/>
@@ -1656,37 +1661,37 @@
                 </a:solidFill>
               </a:defRPr>
             </a:lvl1pPr>
-            <a:lvl2pPr marL="144018" indent="0">
-              <a:buNone/>
-              <a:defRPr sz="630" b="1"/>
+            <a:lvl2pPr marL="167975" indent="0">
+              <a:buNone/>
+              <a:defRPr sz="735" b="1"/>
             </a:lvl2pPr>
-            <a:lvl3pPr marL="288036" indent="0">
-              <a:buNone/>
-              <a:defRPr sz="567" b="1"/>
+            <a:lvl3pPr marL="335951" indent="0">
+              <a:buNone/>
+              <a:defRPr sz="661" b="1"/>
             </a:lvl3pPr>
-            <a:lvl4pPr marL="432054" indent="0">
-              <a:buNone/>
-              <a:defRPr sz="504" b="1"/>
+            <a:lvl4pPr marL="503926" indent="0">
+              <a:buNone/>
+              <a:defRPr sz="588" b="1"/>
             </a:lvl4pPr>
-            <a:lvl5pPr marL="576072" indent="0">
-              <a:buNone/>
-              <a:defRPr sz="504" b="1"/>
+            <a:lvl5pPr marL="671901" indent="0">
+              <a:buNone/>
+              <a:defRPr sz="588" b="1"/>
             </a:lvl5pPr>
-            <a:lvl6pPr marL="720090" indent="0">
-              <a:buNone/>
-              <a:defRPr sz="504" b="1"/>
+            <a:lvl6pPr marL="839876" indent="0">
+              <a:buNone/>
+              <a:defRPr sz="588" b="1"/>
             </a:lvl6pPr>
-            <a:lvl7pPr marL="864108" indent="0">
-              <a:buNone/>
-              <a:defRPr sz="504" b="1"/>
+            <a:lvl7pPr marL="1007852" indent="0">
+              <a:buNone/>
+              <a:defRPr sz="588" b="1"/>
             </a:lvl7pPr>
-            <a:lvl8pPr marL="1008126" indent="0">
-              <a:buNone/>
-              <a:defRPr sz="504" b="1"/>
+            <a:lvl8pPr marL="1175827" indent="0">
+              <a:buNone/>
+              <a:defRPr sz="588" b="1"/>
             </a:lvl8pPr>
-            <a:lvl9pPr marL="1152144" indent="0">
-              <a:buNone/>
-              <a:defRPr sz="504" b="1"/>
+            <a:lvl9pPr marL="1343802" indent="0">
+              <a:buNone/>
+              <a:defRPr sz="588" b="1"/>
             </a:lvl9pPr>
           </a:lstStyle>
           <a:p>
@@ -1710,8 +1715,8 @@
         </p:nvSpPr>
         <p:spPr>
           <a:xfrm>
-            <a:off x="3873106" y="840229"/>
-            <a:ext cx="2946794" cy="1130808"/>
+            <a:off x="5817224" y="979753"/>
+            <a:ext cx="4425947" cy="1318583"/>
           </a:xfrm>
         </p:spPr>
         <p:txBody>
@@ -1721,39 +1726,39 @@
           <a:lstStyle>
             <a:lvl1pPr marL="0" indent="0">
               <a:buNone/>
+              <a:defRPr sz="514"/>
+            </a:lvl1pPr>
+            <a:lvl2pPr marL="167975" indent="0">
+              <a:buNone/>
               <a:defRPr sz="441"/>
-            </a:lvl1pPr>
-            <a:lvl2pPr marL="144018" indent="0">
-              <a:buNone/>
-              <a:defRPr sz="378"/>
             </a:lvl2pPr>
-            <a:lvl3pPr marL="288036" indent="0">
-              <a:buNone/>
-              <a:defRPr sz="315"/>
+            <a:lvl3pPr marL="335951" indent="0">
+              <a:buNone/>
+              <a:defRPr sz="367"/>
             </a:lvl3pPr>
-            <a:lvl4pPr marL="432054" indent="0">
-              <a:buNone/>
-              <a:defRPr sz="284"/>
+            <a:lvl4pPr marL="503926" indent="0">
+              <a:buNone/>
+              <a:defRPr sz="331"/>
             </a:lvl4pPr>
-            <a:lvl5pPr marL="576072" indent="0">
-              <a:buNone/>
-              <a:defRPr sz="284"/>
+            <a:lvl5pPr marL="671901" indent="0">
+              <a:buNone/>
+              <a:defRPr sz="331"/>
             </a:lvl5pPr>
-            <a:lvl6pPr marL="720090" indent="0">
-              <a:buNone/>
-              <a:defRPr sz="284"/>
+            <a:lvl6pPr marL="839876" indent="0">
+              <a:buNone/>
+              <a:defRPr sz="331"/>
             </a:lvl6pPr>
-            <a:lvl7pPr marL="864108" indent="0">
-              <a:buNone/>
-              <a:defRPr sz="284"/>
+            <a:lvl7pPr marL="1007852" indent="0">
+              <a:buNone/>
+              <a:defRPr sz="331"/>
             </a:lvl7pPr>
-            <a:lvl8pPr marL="1008126" indent="0">
-              <a:buNone/>
-              <a:defRPr sz="284"/>
+            <a:lvl8pPr marL="1175827" indent="0">
+              <a:buNone/>
+              <a:defRPr sz="331"/>
             </a:lvl8pPr>
-            <a:lvl9pPr marL="1152144" indent="0">
-              <a:buNone/>
-              <a:defRPr sz="284"/>
+            <a:lvl9pPr marL="1343802" indent="0">
+              <a:buNone/>
+              <a:defRPr sz="331"/>
             </a:lvl9pPr>
           </a:lstStyle>
           <a:p>
@@ -1777,8 +1782,8 @@
         </p:nvSpPr>
         <p:spPr>
           <a:xfrm>
-            <a:off x="7124701" y="624170"/>
-            <a:ext cx="2932113" cy="181549"/>
+            <a:off x="10700967" y="727816"/>
+            <a:ext cx="4403896" cy="211696"/>
           </a:xfrm>
         </p:spPr>
         <p:txBody>
@@ -1788,7 +1793,7 @@
           <a:lstStyle>
             <a:lvl1pPr marL="0" indent="0">
               <a:buNone/>
-              <a:defRPr sz="756" b="0">
+              <a:defRPr sz="882" b="0">
                 <a:solidFill>
                   <a:schemeClr val="bg2">
                     <a:lumMod val="40000"/>
@@ -1797,37 +1802,37 @@
                 </a:solidFill>
               </a:defRPr>
             </a:lvl1pPr>
-            <a:lvl2pPr marL="144018" indent="0">
-              <a:buNone/>
-              <a:defRPr sz="630" b="1"/>
+            <a:lvl2pPr marL="167975" indent="0">
+              <a:buNone/>
+              <a:defRPr sz="735" b="1"/>
             </a:lvl2pPr>
-            <a:lvl3pPr marL="288036" indent="0">
-              <a:buNone/>
-              <a:defRPr sz="567" b="1"/>
+            <a:lvl3pPr marL="335951" indent="0">
+              <a:buNone/>
+              <a:defRPr sz="661" b="1"/>
             </a:lvl3pPr>
-            <a:lvl4pPr marL="432054" indent="0">
-              <a:buNone/>
-              <a:defRPr sz="504" b="1"/>
+            <a:lvl4pPr marL="503926" indent="0">
+              <a:buNone/>
+              <a:defRPr sz="588" b="1"/>
             </a:lvl4pPr>
-            <a:lvl5pPr marL="576072" indent="0">
-              <a:buNone/>
-              <a:defRPr sz="504" b="1"/>
+            <a:lvl5pPr marL="671901" indent="0">
+              <a:buNone/>
+              <a:defRPr sz="588" b="1"/>
             </a:lvl5pPr>
-            <a:lvl6pPr marL="720090" indent="0">
-              <a:buNone/>
-              <a:defRPr sz="504" b="1"/>
+            <a:lvl6pPr marL="839876" indent="0">
+              <a:buNone/>
+              <a:defRPr sz="588" b="1"/>
             </a:lvl6pPr>
-            <a:lvl7pPr marL="864108" indent="0">
-              <a:buNone/>
-              <a:defRPr sz="504" b="1"/>
+            <a:lvl7pPr marL="1007852" indent="0">
+              <a:buNone/>
+              <a:defRPr sz="588" b="1"/>
             </a:lvl7pPr>
-            <a:lvl8pPr marL="1008126" indent="0">
-              <a:buNone/>
-              <a:defRPr sz="504" b="1"/>
+            <a:lvl8pPr marL="1175827" indent="0">
+              <a:buNone/>
+              <a:defRPr sz="588" b="1"/>
             </a:lvl8pPr>
-            <a:lvl9pPr marL="1152144" indent="0">
-              <a:buNone/>
-              <a:defRPr sz="504" b="1"/>
+            <a:lvl9pPr marL="1343802" indent="0">
+              <a:buNone/>
+              <a:defRPr sz="588" b="1"/>
             </a:lvl9pPr>
           </a:lstStyle>
           <a:p>
@@ -1851,8 +1856,8 @@
         </p:nvSpPr>
         <p:spPr>
           <a:xfrm>
-            <a:off x="7124701" y="840229"/>
-            <a:ext cx="2932113" cy="1130808"/>
+            <a:off x="10700967" y="979753"/>
+            <a:ext cx="4403896" cy="1318583"/>
           </a:xfrm>
         </p:spPr>
         <p:txBody>
@@ -1862,39 +1867,39 @@
           <a:lstStyle>
             <a:lvl1pPr marL="0" indent="0">
               <a:buNone/>
+              <a:defRPr sz="514"/>
+            </a:lvl1pPr>
+            <a:lvl2pPr marL="167975" indent="0">
+              <a:buNone/>
               <a:defRPr sz="441"/>
-            </a:lvl1pPr>
-            <a:lvl2pPr marL="144018" indent="0">
-              <a:buNone/>
-              <a:defRPr sz="378"/>
             </a:lvl2pPr>
-            <a:lvl3pPr marL="288036" indent="0">
-              <a:buNone/>
-              <a:defRPr sz="315"/>
+            <a:lvl3pPr marL="335951" indent="0">
+              <a:buNone/>
+              <a:defRPr sz="367"/>
             </a:lvl3pPr>
-            <a:lvl4pPr marL="432054" indent="0">
-              <a:buNone/>
-              <a:defRPr sz="284"/>
+            <a:lvl4pPr marL="503926" indent="0">
+              <a:buNone/>
+              <a:defRPr sz="331"/>
             </a:lvl4pPr>
-            <a:lvl5pPr marL="576072" indent="0">
-              <a:buNone/>
-              <a:defRPr sz="284"/>
+            <a:lvl5pPr marL="671901" indent="0">
+              <a:buNone/>
+              <a:defRPr sz="331"/>
             </a:lvl5pPr>
-            <a:lvl6pPr marL="720090" indent="0">
-              <a:buNone/>
-              <a:defRPr sz="284"/>
+            <a:lvl6pPr marL="839876" indent="0">
+              <a:buNone/>
+              <a:defRPr sz="331"/>
             </a:lvl6pPr>
-            <a:lvl7pPr marL="864108" indent="0">
-              <a:buNone/>
-              <a:defRPr sz="284"/>
+            <a:lvl7pPr marL="1007852" indent="0">
+              <a:buNone/>
+              <a:defRPr sz="331"/>
             </a:lvl7pPr>
-            <a:lvl8pPr marL="1008126" indent="0">
-              <a:buNone/>
-              <a:defRPr sz="284"/>
+            <a:lvl8pPr marL="1175827" indent="0">
+              <a:buNone/>
+              <a:defRPr sz="331"/>
             </a:lvl8pPr>
-            <a:lvl9pPr marL="1152144" indent="0">
-              <a:buNone/>
-              <a:defRPr sz="284"/>
+            <a:lvl9pPr marL="1343802" indent="0">
+              <a:buNone/>
+              <a:defRPr sz="331"/>
             </a:lvl9pPr>
           </a:lstStyle>
           <a:p>
@@ -1914,8 +1919,8 @@
         </p:nvCxnSpPr>
         <p:spPr>
           <a:xfrm>
-            <a:off x="3726142" y="672183"/>
-            <a:ext cx="0" cy="1248340"/>
+            <a:off x="5596491" y="783802"/>
+            <a:ext cx="0" cy="1455632"/>
           </a:xfrm>
           <a:prstGeom prst="line">
             <a:avLst/>
@@ -1953,8 +1958,8 @@
         </p:nvCxnSpPr>
         <p:spPr>
           <a:xfrm>
-            <a:off x="6962227" y="672183"/>
-            <a:ext cx="0" cy="1249752"/>
+            <a:off x="10456939" y="783802"/>
+            <a:ext cx="0" cy="1457278"/>
           </a:xfrm>
           <a:prstGeom prst="line">
             <a:avLst/>
@@ -2052,7 +2057,7 @@
     </p:spTree>
     <p:extLst>
       <p:ext uri="{BB962C8B-B14F-4D97-AF65-F5344CB8AC3E}">
-        <p14:creationId xmlns:p14="http://schemas.microsoft.com/office/powerpoint/2010/main" val="743054963"/>
+        <p14:creationId xmlns:p14="http://schemas.microsoft.com/office/powerpoint/2010/main" val="3746920112"/>
       </p:ext>
     </p:extLst>
   </p:cSld>
@@ -2094,7 +2099,7 @@
           <a:bodyPr/>
           <a:lstStyle>
             <a:lvl1pPr>
-              <a:defRPr sz="1323"/>
+              <a:defRPr sz="1543"/>
             </a:lvl1pPr>
           </a:lstStyle>
           <a:p>
@@ -2118,8 +2123,8 @@
         </p:nvSpPr>
         <p:spPr>
           <a:xfrm>
-            <a:off x="652463" y="1339246"/>
-            <a:ext cx="2940050" cy="181549"/>
+            <a:off x="979969" y="1561634"/>
+            <a:ext cx="4415817" cy="211696"/>
           </a:xfrm>
         </p:spPr>
         <p:txBody>
@@ -2129,7 +2134,7 @@
           <a:lstStyle>
             <a:lvl1pPr marL="0" indent="0">
               <a:buNone/>
-              <a:defRPr sz="756" b="0">
+              <a:defRPr sz="882" b="0">
                 <a:solidFill>
                   <a:schemeClr val="bg2">
                     <a:lumMod val="40000"/>
@@ -2138,37 +2143,37 @@
                 </a:solidFill>
               </a:defRPr>
             </a:lvl1pPr>
-            <a:lvl2pPr marL="144018" indent="0">
-              <a:buNone/>
-              <a:defRPr sz="630" b="1"/>
+            <a:lvl2pPr marL="167975" indent="0">
+              <a:buNone/>
+              <a:defRPr sz="735" b="1"/>
             </a:lvl2pPr>
-            <a:lvl3pPr marL="288036" indent="0">
-              <a:buNone/>
-              <a:defRPr sz="567" b="1"/>
+            <a:lvl3pPr marL="335951" indent="0">
+              <a:buNone/>
+              <a:defRPr sz="661" b="1"/>
             </a:lvl3pPr>
-            <a:lvl4pPr marL="432054" indent="0">
-              <a:buNone/>
-              <a:defRPr sz="504" b="1"/>
+            <a:lvl4pPr marL="503926" indent="0">
+              <a:buNone/>
+              <a:defRPr sz="588" b="1"/>
             </a:lvl4pPr>
-            <a:lvl5pPr marL="576072" indent="0">
-              <a:buNone/>
-              <a:defRPr sz="504" b="1"/>
+            <a:lvl5pPr marL="671901" indent="0">
+              <a:buNone/>
+              <a:defRPr sz="588" b="1"/>
             </a:lvl5pPr>
-            <a:lvl6pPr marL="720090" indent="0">
-              <a:buNone/>
-              <a:defRPr sz="504" b="1"/>
+            <a:lvl6pPr marL="839876" indent="0">
+              <a:buNone/>
+              <a:defRPr sz="588" b="1"/>
             </a:lvl6pPr>
-            <a:lvl7pPr marL="864108" indent="0">
-              <a:buNone/>
-              <a:defRPr sz="504" b="1"/>
+            <a:lvl7pPr marL="1007852" indent="0">
+              <a:buNone/>
+              <a:defRPr sz="588" b="1"/>
             </a:lvl7pPr>
-            <a:lvl8pPr marL="1008126" indent="0">
-              <a:buNone/>
-              <a:defRPr sz="504" b="1"/>
+            <a:lvl8pPr marL="1175827" indent="0">
+              <a:buNone/>
+              <a:defRPr sz="588" b="1"/>
             </a:lvl8pPr>
-            <a:lvl9pPr marL="1152144" indent="0">
-              <a:buNone/>
-              <a:defRPr sz="504" b="1"/>
+            <a:lvl9pPr marL="1343802" indent="0">
+              <a:buNone/>
+              <a:defRPr sz="588" b="1"/>
             </a:lvl9pPr>
           </a:lstStyle>
           <a:p>
@@ -2192,8 +2197,8 @@
         </p:nvSpPr>
         <p:spPr>
           <a:xfrm>
-            <a:off x="652463" y="696189"/>
-            <a:ext cx="2940050" cy="480131"/>
+            <a:off x="979969" y="811795"/>
+            <a:ext cx="4415817" cy="559858"/>
           </a:xfrm>
           <a:prstGeom prst="roundRect">
             <a:avLst>
@@ -2215,39 +2220,39 @@
           <a:lstStyle>
             <a:lvl1pPr marL="0" indent="0" algn="ctr">
               <a:buNone/>
-              <a:defRPr sz="504"/>
+              <a:defRPr sz="588"/>
             </a:lvl1pPr>
-            <a:lvl2pPr marL="144018" indent="0">
-              <a:buNone/>
-              <a:defRPr sz="504"/>
+            <a:lvl2pPr marL="167975" indent="0">
+              <a:buNone/>
+              <a:defRPr sz="588"/>
             </a:lvl2pPr>
-            <a:lvl3pPr marL="288036" indent="0">
-              <a:buNone/>
-              <a:defRPr sz="504"/>
+            <a:lvl3pPr marL="335951" indent="0">
+              <a:buNone/>
+              <a:defRPr sz="588"/>
             </a:lvl3pPr>
-            <a:lvl4pPr marL="432054" indent="0">
-              <a:buNone/>
-              <a:defRPr sz="504"/>
+            <a:lvl4pPr marL="503926" indent="0">
+              <a:buNone/>
+              <a:defRPr sz="588"/>
             </a:lvl4pPr>
-            <a:lvl5pPr marL="576072" indent="0">
-              <a:buNone/>
-              <a:defRPr sz="504"/>
+            <a:lvl5pPr marL="671901" indent="0">
+              <a:buNone/>
+              <a:defRPr sz="588"/>
             </a:lvl5pPr>
-            <a:lvl6pPr marL="720090" indent="0">
-              <a:buNone/>
-              <a:defRPr sz="504"/>
+            <a:lvl6pPr marL="839876" indent="0">
+              <a:buNone/>
+              <a:defRPr sz="588"/>
             </a:lvl6pPr>
-            <a:lvl7pPr marL="864108" indent="0">
-              <a:buNone/>
-              <a:defRPr sz="504"/>
+            <a:lvl7pPr marL="1007852" indent="0">
+              <a:buNone/>
+              <a:defRPr sz="588"/>
             </a:lvl7pPr>
-            <a:lvl8pPr marL="1008126" indent="0">
-              <a:buNone/>
-              <a:defRPr sz="504"/>
+            <a:lvl8pPr marL="1175827" indent="0">
+              <a:buNone/>
+              <a:defRPr sz="588"/>
             </a:lvl8pPr>
-            <a:lvl9pPr marL="1152144" indent="0">
-              <a:buNone/>
-              <a:defRPr sz="504"/>
+            <a:lvl9pPr marL="1343802" indent="0">
+              <a:buNone/>
+              <a:defRPr sz="588"/>
             </a:lvl9pPr>
           </a:lstStyle>
           <a:p>
@@ -2271,8 +2276,8 @@
         </p:nvSpPr>
         <p:spPr>
           <a:xfrm>
-            <a:off x="652463" y="1520796"/>
-            <a:ext cx="2940050" cy="207675"/>
+            <a:off x="979969" y="1773330"/>
+            <a:ext cx="4415817" cy="242160"/>
           </a:xfrm>
         </p:spPr>
         <p:txBody>
@@ -2282,39 +2287,39 @@
           <a:lstStyle>
             <a:lvl1pPr marL="0" indent="0">
               <a:buNone/>
+              <a:defRPr sz="514"/>
+            </a:lvl1pPr>
+            <a:lvl2pPr marL="167975" indent="0">
+              <a:buNone/>
               <a:defRPr sz="441"/>
-            </a:lvl1pPr>
-            <a:lvl2pPr marL="144018" indent="0">
-              <a:buNone/>
-              <a:defRPr sz="378"/>
             </a:lvl2pPr>
-            <a:lvl3pPr marL="288036" indent="0">
-              <a:buNone/>
-              <a:defRPr sz="315"/>
+            <a:lvl3pPr marL="335951" indent="0">
+              <a:buNone/>
+              <a:defRPr sz="367"/>
             </a:lvl3pPr>
-            <a:lvl4pPr marL="432054" indent="0">
-              <a:buNone/>
-              <a:defRPr sz="284"/>
+            <a:lvl4pPr marL="503926" indent="0">
+              <a:buNone/>
+              <a:defRPr sz="331"/>
             </a:lvl4pPr>
-            <a:lvl5pPr marL="576072" indent="0">
-              <a:buNone/>
-              <a:defRPr sz="284"/>
+            <a:lvl5pPr marL="671901" indent="0">
+              <a:buNone/>
+              <a:defRPr sz="331"/>
             </a:lvl5pPr>
-            <a:lvl6pPr marL="720090" indent="0">
-              <a:buNone/>
-              <a:defRPr sz="284"/>
+            <a:lvl6pPr marL="839876" indent="0">
+              <a:buNone/>
+              <a:defRPr sz="331"/>
             </a:lvl6pPr>
-            <a:lvl7pPr marL="864108" indent="0">
-              <a:buNone/>
-              <a:defRPr sz="284"/>
+            <a:lvl7pPr marL="1007852" indent="0">
+              <a:buNone/>
+              <a:defRPr sz="331"/>
             </a:lvl7pPr>
-            <a:lvl8pPr marL="1008126" indent="0">
-              <a:buNone/>
-              <a:defRPr sz="284"/>
+            <a:lvl8pPr marL="1175827" indent="0">
+              <a:buNone/>
+              <a:defRPr sz="331"/>
             </a:lvl8pPr>
-            <a:lvl9pPr marL="1152144" indent="0">
-              <a:buNone/>
-              <a:defRPr sz="284"/>
+            <a:lvl9pPr marL="1343802" indent="0">
+              <a:buNone/>
+              <a:defRPr sz="331"/>
             </a:lvl9pPr>
           </a:lstStyle>
           <a:p>
@@ -2338,8 +2343,8 @@
         </p:nvSpPr>
         <p:spPr>
           <a:xfrm>
-            <a:off x="3889376" y="1339246"/>
-            <a:ext cx="2930525" cy="181549"/>
+            <a:off x="5841660" y="1561634"/>
+            <a:ext cx="4401511" cy="211696"/>
           </a:xfrm>
         </p:spPr>
         <p:txBody>
@@ -2349,7 +2354,7 @@
           <a:lstStyle>
             <a:lvl1pPr marL="0" indent="0">
               <a:buNone/>
-              <a:defRPr sz="756" b="0">
+              <a:defRPr sz="882" b="0">
                 <a:solidFill>
                   <a:schemeClr val="bg2">
                     <a:lumMod val="40000"/>
@@ -2358,37 +2363,37 @@
                 </a:solidFill>
               </a:defRPr>
             </a:lvl1pPr>
-            <a:lvl2pPr marL="144018" indent="0">
-              <a:buNone/>
-              <a:defRPr sz="630" b="1"/>
+            <a:lvl2pPr marL="167975" indent="0">
+              <a:buNone/>
+              <a:defRPr sz="735" b="1"/>
             </a:lvl2pPr>
-            <a:lvl3pPr marL="288036" indent="0">
-              <a:buNone/>
-              <a:defRPr sz="567" b="1"/>
+            <a:lvl3pPr marL="335951" indent="0">
+              <a:buNone/>
+              <a:defRPr sz="661" b="1"/>
             </a:lvl3pPr>
-            <a:lvl4pPr marL="432054" indent="0">
-              <a:buNone/>
-              <a:defRPr sz="504" b="1"/>
+            <a:lvl4pPr marL="503926" indent="0">
+              <a:buNone/>
+              <a:defRPr sz="588" b="1"/>
             </a:lvl4pPr>
-            <a:lvl5pPr marL="576072" indent="0">
-              <a:buNone/>
-              <a:defRPr sz="504" b="1"/>
+            <a:lvl5pPr marL="671901" indent="0">
+              <a:buNone/>
+              <a:defRPr sz="588" b="1"/>
             </a:lvl5pPr>
-            <a:lvl6pPr marL="720090" indent="0">
-              <a:buNone/>
-              <a:defRPr sz="504" b="1"/>
+            <a:lvl6pPr marL="839876" indent="0">
+              <a:buNone/>
+              <a:defRPr sz="588" b="1"/>
             </a:lvl6pPr>
-            <a:lvl7pPr marL="864108" indent="0">
-              <a:buNone/>
-              <a:defRPr sz="504" b="1"/>
+            <a:lvl7pPr marL="1007852" indent="0">
+              <a:buNone/>
+              <a:defRPr sz="588" b="1"/>
             </a:lvl7pPr>
-            <a:lvl8pPr marL="1008126" indent="0">
-              <a:buNone/>
-              <a:defRPr sz="504" b="1"/>
+            <a:lvl8pPr marL="1175827" indent="0">
+              <a:buNone/>
+              <a:defRPr sz="588" b="1"/>
             </a:lvl8pPr>
-            <a:lvl9pPr marL="1152144" indent="0">
-              <a:buNone/>
-              <a:defRPr sz="504" b="1"/>
+            <a:lvl9pPr marL="1343802" indent="0">
+              <a:buNone/>
+              <a:defRPr sz="588" b="1"/>
             </a:lvl9pPr>
           </a:lstStyle>
           <a:p>
@@ -2412,8 +2417,8 @@
         </p:nvSpPr>
         <p:spPr>
           <a:xfrm>
-            <a:off x="3889375" y="696189"/>
-            <a:ext cx="2930525" cy="480131"/>
+            <a:off x="5841658" y="811795"/>
+            <a:ext cx="4401511" cy="559858"/>
           </a:xfrm>
           <a:prstGeom prst="roundRect">
             <a:avLst>
@@ -2435,39 +2440,39 @@
           <a:lstStyle>
             <a:lvl1pPr marL="0" indent="0" algn="ctr">
               <a:buNone/>
-              <a:defRPr sz="504"/>
+              <a:defRPr sz="588"/>
             </a:lvl1pPr>
-            <a:lvl2pPr marL="144018" indent="0">
-              <a:buNone/>
-              <a:defRPr sz="504"/>
+            <a:lvl2pPr marL="167975" indent="0">
+              <a:buNone/>
+              <a:defRPr sz="588"/>
             </a:lvl2pPr>
-            <a:lvl3pPr marL="288036" indent="0">
-              <a:buNone/>
-              <a:defRPr sz="504"/>
+            <a:lvl3pPr marL="335951" indent="0">
+              <a:buNone/>
+              <a:defRPr sz="588"/>
             </a:lvl3pPr>
-            <a:lvl4pPr marL="432054" indent="0">
-              <a:buNone/>
-              <a:defRPr sz="504"/>
+            <a:lvl4pPr marL="503926" indent="0">
+              <a:buNone/>
+              <a:defRPr sz="588"/>
             </a:lvl4pPr>
-            <a:lvl5pPr marL="576072" indent="0">
-              <a:buNone/>
-              <a:defRPr sz="504"/>
+            <a:lvl5pPr marL="671901" indent="0">
+              <a:buNone/>
+              <a:defRPr sz="588"/>
             </a:lvl5pPr>
-            <a:lvl6pPr marL="720090" indent="0">
-              <a:buNone/>
-              <a:defRPr sz="504"/>
+            <a:lvl6pPr marL="839876" indent="0">
+              <a:buNone/>
+              <a:defRPr sz="588"/>
             </a:lvl6pPr>
-            <a:lvl7pPr marL="864108" indent="0">
-              <a:buNone/>
-              <a:defRPr sz="504"/>
+            <a:lvl7pPr marL="1007852" indent="0">
+              <a:buNone/>
+              <a:defRPr sz="588"/>
             </a:lvl7pPr>
-            <a:lvl8pPr marL="1008126" indent="0">
-              <a:buNone/>
-              <a:defRPr sz="504"/>
+            <a:lvl8pPr marL="1175827" indent="0">
+              <a:buNone/>
+              <a:defRPr sz="588"/>
             </a:lvl8pPr>
-            <a:lvl9pPr marL="1152144" indent="0">
-              <a:buNone/>
-              <a:defRPr sz="504"/>
+            <a:lvl9pPr marL="1343802" indent="0">
+              <a:buNone/>
+              <a:defRPr sz="588"/>
             </a:lvl9pPr>
           </a:lstStyle>
           <a:p>
@@ -2491,8 +2496,8 @@
         </p:nvSpPr>
         <p:spPr>
           <a:xfrm>
-            <a:off x="3888022" y="1520795"/>
-            <a:ext cx="2934406" cy="207675"/>
+            <a:off x="5839627" y="1773330"/>
+            <a:ext cx="4407340" cy="242160"/>
           </a:xfrm>
         </p:spPr>
         <p:txBody>
@@ -2502,39 +2507,39 @@
           <a:lstStyle>
             <a:lvl1pPr marL="0" indent="0">
               <a:buNone/>
+              <a:defRPr sz="514"/>
+            </a:lvl1pPr>
+            <a:lvl2pPr marL="167975" indent="0">
+              <a:buNone/>
               <a:defRPr sz="441"/>
-            </a:lvl1pPr>
-            <a:lvl2pPr marL="144018" indent="0">
-              <a:buNone/>
-              <a:defRPr sz="378"/>
             </a:lvl2pPr>
-            <a:lvl3pPr marL="288036" indent="0">
-              <a:buNone/>
-              <a:defRPr sz="315"/>
+            <a:lvl3pPr marL="335951" indent="0">
+              <a:buNone/>
+              <a:defRPr sz="367"/>
             </a:lvl3pPr>
-            <a:lvl4pPr marL="432054" indent="0">
-              <a:buNone/>
-              <a:defRPr sz="284"/>
+            <a:lvl4pPr marL="503926" indent="0">
+              <a:buNone/>
+              <a:defRPr sz="331"/>
             </a:lvl4pPr>
-            <a:lvl5pPr marL="576072" indent="0">
-              <a:buNone/>
-              <a:defRPr sz="284"/>
+            <a:lvl5pPr marL="671901" indent="0">
+              <a:buNone/>
+              <a:defRPr sz="331"/>
             </a:lvl5pPr>
-            <a:lvl6pPr marL="720090" indent="0">
-              <a:buNone/>
-              <a:defRPr sz="284"/>
+            <a:lvl6pPr marL="839876" indent="0">
+              <a:buNone/>
+              <a:defRPr sz="331"/>
             </a:lvl6pPr>
-            <a:lvl7pPr marL="864108" indent="0">
-              <a:buNone/>
-              <a:defRPr sz="284"/>
+            <a:lvl7pPr marL="1007852" indent="0">
+              <a:buNone/>
+              <a:defRPr sz="331"/>
             </a:lvl7pPr>
-            <a:lvl8pPr marL="1008126" indent="0">
-              <a:buNone/>
-              <a:defRPr sz="284"/>
+            <a:lvl8pPr marL="1175827" indent="0">
+              <a:buNone/>
+              <a:defRPr sz="331"/>
             </a:lvl8pPr>
-            <a:lvl9pPr marL="1152144" indent="0">
-              <a:buNone/>
-              <a:defRPr sz="284"/>
+            <a:lvl9pPr marL="1343802" indent="0">
+              <a:buNone/>
+              <a:defRPr sz="331"/>
             </a:lvl9pPr>
           </a:lstStyle>
           <a:p>
@@ -2558,8 +2563,8 @@
         </p:nvSpPr>
         <p:spPr>
           <a:xfrm>
-            <a:off x="7124701" y="1339246"/>
-            <a:ext cx="2932113" cy="181549"/>
+            <a:off x="10700967" y="1561634"/>
+            <a:ext cx="4403896" cy="211696"/>
           </a:xfrm>
         </p:spPr>
         <p:txBody>
@@ -2569,7 +2574,7 @@
           <a:lstStyle>
             <a:lvl1pPr marL="0" indent="0">
               <a:buNone/>
-              <a:defRPr sz="756" b="0">
+              <a:defRPr sz="882" b="0">
                 <a:solidFill>
                   <a:schemeClr val="bg2">
                     <a:lumMod val="40000"/>
@@ -2578,37 +2583,37 @@
                 </a:solidFill>
               </a:defRPr>
             </a:lvl1pPr>
-            <a:lvl2pPr marL="144018" indent="0">
-              <a:buNone/>
-              <a:defRPr sz="630" b="1"/>
+            <a:lvl2pPr marL="167975" indent="0">
+              <a:buNone/>
+              <a:defRPr sz="735" b="1"/>
             </a:lvl2pPr>
-            <a:lvl3pPr marL="288036" indent="0">
-              <a:buNone/>
-              <a:defRPr sz="567" b="1"/>
+            <a:lvl3pPr marL="335951" indent="0">
+              <a:buNone/>
+              <a:defRPr sz="661" b="1"/>
             </a:lvl3pPr>
-            <a:lvl4pPr marL="432054" indent="0">
-              <a:buNone/>
-              <a:defRPr sz="504" b="1"/>
+            <a:lvl4pPr marL="503926" indent="0">
+              <a:buNone/>
+              <a:defRPr sz="588" b="1"/>
             </a:lvl4pPr>
-            <a:lvl5pPr marL="576072" indent="0">
-              <a:buNone/>
-              <a:defRPr sz="504" b="1"/>
+            <a:lvl5pPr marL="671901" indent="0">
+              <a:buNone/>
+              <a:defRPr sz="588" b="1"/>
             </a:lvl5pPr>
-            <a:lvl6pPr marL="720090" indent="0">
-              <a:buNone/>
-              <a:defRPr sz="504" b="1"/>
+            <a:lvl6pPr marL="839876" indent="0">
+              <a:buNone/>
+              <a:defRPr sz="588" b="1"/>
             </a:lvl6pPr>
-            <a:lvl7pPr marL="864108" indent="0">
-              <a:buNone/>
-              <a:defRPr sz="504" b="1"/>
+            <a:lvl7pPr marL="1007852" indent="0">
+              <a:buNone/>
+              <a:defRPr sz="588" b="1"/>
             </a:lvl7pPr>
-            <a:lvl8pPr marL="1008126" indent="0">
-              <a:buNone/>
-              <a:defRPr sz="504" b="1"/>
+            <a:lvl8pPr marL="1175827" indent="0">
+              <a:buNone/>
+              <a:defRPr sz="588" b="1"/>
             </a:lvl8pPr>
-            <a:lvl9pPr marL="1152144" indent="0">
-              <a:buNone/>
-              <a:defRPr sz="504" b="1"/>
+            <a:lvl9pPr marL="1343802" indent="0">
+              <a:buNone/>
+              <a:defRPr sz="588" b="1"/>
             </a:lvl9pPr>
           </a:lstStyle>
           <a:p>
@@ -2632,8 +2637,8 @@
         </p:nvSpPr>
         <p:spPr>
           <a:xfrm>
-            <a:off x="7124700" y="696189"/>
-            <a:ext cx="2932113" cy="480131"/>
+            <a:off x="10700965" y="811795"/>
+            <a:ext cx="4403896" cy="559858"/>
           </a:xfrm>
           <a:prstGeom prst="roundRect">
             <a:avLst>
@@ -2655,39 +2660,39 @@
           <a:lstStyle>
             <a:lvl1pPr marL="0" indent="0" algn="ctr">
               <a:buNone/>
-              <a:defRPr sz="504"/>
+              <a:defRPr sz="588"/>
             </a:lvl1pPr>
-            <a:lvl2pPr marL="144018" indent="0">
-              <a:buNone/>
-              <a:defRPr sz="504"/>
+            <a:lvl2pPr marL="167975" indent="0">
+              <a:buNone/>
+              <a:defRPr sz="588"/>
             </a:lvl2pPr>
-            <a:lvl3pPr marL="288036" indent="0">
-              <a:buNone/>
-              <a:defRPr sz="504"/>
+            <a:lvl3pPr marL="335951" indent="0">
+              <a:buNone/>
+              <a:defRPr sz="588"/>
             </a:lvl3pPr>
-            <a:lvl4pPr marL="432054" indent="0">
-              <a:buNone/>
-              <a:defRPr sz="504"/>
+            <a:lvl4pPr marL="503926" indent="0">
+              <a:buNone/>
+              <a:defRPr sz="588"/>
             </a:lvl4pPr>
-            <a:lvl5pPr marL="576072" indent="0">
-              <a:buNone/>
-              <a:defRPr sz="504"/>
+            <a:lvl5pPr marL="671901" indent="0">
+              <a:buNone/>
+              <a:defRPr sz="588"/>
             </a:lvl5pPr>
-            <a:lvl6pPr marL="720090" indent="0">
-              <a:buNone/>
-              <a:defRPr sz="504"/>
+            <a:lvl6pPr marL="839876" indent="0">
+              <a:buNone/>
+              <a:defRPr sz="588"/>
             </a:lvl6pPr>
-            <a:lvl7pPr marL="864108" indent="0">
-              <a:buNone/>
-              <a:defRPr sz="504"/>
+            <a:lvl7pPr marL="1007852" indent="0">
+              <a:buNone/>
+              <a:defRPr sz="588"/>
             </a:lvl7pPr>
-            <a:lvl8pPr marL="1008126" indent="0">
-              <a:buNone/>
-              <a:defRPr sz="504"/>
+            <a:lvl8pPr marL="1175827" indent="0">
+              <a:buNone/>
+              <a:defRPr sz="588"/>
             </a:lvl8pPr>
-            <a:lvl9pPr marL="1152144" indent="0">
-              <a:buNone/>
-              <a:defRPr sz="504"/>
+            <a:lvl9pPr marL="1343802" indent="0">
+              <a:buNone/>
+              <a:defRPr sz="588"/>
             </a:lvl9pPr>
           </a:lstStyle>
           <a:p>
@@ -2711,8 +2716,8 @@
         </p:nvSpPr>
         <p:spPr>
           <a:xfrm>
-            <a:off x="7124576" y="1520795"/>
-            <a:ext cx="2935997" cy="207675"/>
+            <a:off x="10700779" y="1773329"/>
+            <a:ext cx="4409730" cy="242160"/>
           </a:xfrm>
         </p:spPr>
         <p:txBody>
@@ -2722,39 +2727,39 @@
           <a:lstStyle>
             <a:lvl1pPr marL="0" indent="0">
               <a:buNone/>
+              <a:defRPr sz="514"/>
+            </a:lvl1pPr>
+            <a:lvl2pPr marL="167975" indent="0">
+              <a:buNone/>
               <a:defRPr sz="441"/>
-            </a:lvl1pPr>
-            <a:lvl2pPr marL="144018" indent="0">
-              <a:buNone/>
-              <a:defRPr sz="378"/>
             </a:lvl2pPr>
-            <a:lvl3pPr marL="288036" indent="0">
-              <a:buNone/>
-              <a:defRPr sz="315"/>
+            <a:lvl3pPr marL="335951" indent="0">
+              <a:buNone/>
+              <a:defRPr sz="367"/>
             </a:lvl3pPr>
-            <a:lvl4pPr marL="432054" indent="0">
-              <a:buNone/>
-              <a:defRPr sz="284"/>
+            <a:lvl4pPr marL="503926" indent="0">
+              <a:buNone/>
+              <a:defRPr sz="331"/>
             </a:lvl4pPr>
-            <a:lvl5pPr marL="576072" indent="0">
-              <a:buNone/>
-              <a:defRPr sz="284"/>
+            <a:lvl5pPr marL="671901" indent="0">
+              <a:buNone/>
+              <a:defRPr sz="331"/>
             </a:lvl5pPr>
-            <a:lvl6pPr marL="720090" indent="0">
-              <a:buNone/>
-              <a:defRPr sz="284"/>
+            <a:lvl6pPr marL="839876" indent="0">
+              <a:buNone/>
+              <a:defRPr sz="331"/>
             </a:lvl6pPr>
-            <a:lvl7pPr marL="864108" indent="0">
-              <a:buNone/>
-              <a:defRPr sz="284"/>
+            <a:lvl7pPr marL="1007852" indent="0">
+              <a:buNone/>
+              <a:defRPr sz="331"/>
             </a:lvl7pPr>
-            <a:lvl8pPr marL="1008126" indent="0">
-              <a:buNone/>
-              <a:defRPr sz="284"/>
+            <a:lvl8pPr marL="1175827" indent="0">
+              <a:buNone/>
+              <a:defRPr sz="331"/>
             </a:lvl8pPr>
-            <a:lvl9pPr marL="1152144" indent="0">
-              <a:buNone/>
-              <a:defRPr sz="284"/>
+            <a:lvl9pPr marL="1343802" indent="0">
+              <a:buNone/>
+              <a:defRPr sz="331"/>
             </a:lvl9pPr>
           </a:lstStyle>
           <a:p>
@@ -2774,8 +2779,8 @@
         </p:nvCxnSpPr>
         <p:spPr>
           <a:xfrm>
-            <a:off x="3726142" y="672183"/>
-            <a:ext cx="0" cy="1248340"/>
+            <a:off x="5596491" y="783802"/>
+            <a:ext cx="0" cy="1455632"/>
           </a:xfrm>
           <a:prstGeom prst="line">
             <a:avLst/>
@@ -2813,8 +2818,8 @@
         </p:nvCxnSpPr>
         <p:spPr>
           <a:xfrm>
-            <a:off x="6962227" y="672183"/>
-            <a:ext cx="0" cy="1249752"/>
+            <a:off x="10456939" y="783802"/>
+            <a:ext cx="0" cy="1457278"/>
           </a:xfrm>
           <a:prstGeom prst="line">
             <a:avLst/>
@@ -2912,7 +2917,7 @@
     </p:spTree>
     <p:extLst>
       <p:ext uri="{BB962C8B-B14F-4D97-AF65-F5344CB8AC3E}">
-        <p14:creationId xmlns:p14="http://schemas.microsoft.com/office/powerpoint/2010/main" val="2344154375"/>
+        <p14:creationId xmlns:p14="http://schemas.microsoft.com/office/powerpoint/2010/main" val="1992811012"/>
       </p:ext>
     </p:extLst>
   </p:cSld>
@@ -3082,7 +3087,7 @@
     </p:spTree>
     <p:extLst>
       <p:ext uri="{BB962C8B-B14F-4D97-AF65-F5344CB8AC3E}">
-        <p14:creationId xmlns:p14="http://schemas.microsoft.com/office/powerpoint/2010/main" val="1288935146"/>
+        <p14:creationId xmlns:p14="http://schemas.microsoft.com/office/powerpoint/2010/main" val="215642864"/>
       </p:ext>
     </p:extLst>
   </p:cSld>
@@ -3121,8 +3126,8 @@
         </p:nvSpPr>
         <p:spPr>
           <a:xfrm>
-            <a:off x="8304213" y="135537"/>
-            <a:ext cx="1752601" cy="1835500"/>
+            <a:off x="12472538" y="158044"/>
+            <a:ext cx="2632325" cy="2140292"/>
           </a:xfrm>
         </p:spPr>
         <p:txBody>
@@ -3149,8 +3154,8 @@
         </p:nvSpPr>
         <p:spPr>
           <a:xfrm>
-            <a:off x="652464" y="279577"/>
-            <a:ext cx="7423149" cy="1691460"/>
+            <a:off x="979970" y="326002"/>
+            <a:ext cx="11149222" cy="1972334"/>
           </a:xfrm>
         </p:spPr>
         <p:txBody>
@@ -3262,7 +3267,7 @@
     </p:spTree>
     <p:extLst>
       <p:ext uri="{BB962C8B-B14F-4D97-AF65-F5344CB8AC3E}">
-        <p14:creationId xmlns:p14="http://schemas.microsoft.com/office/powerpoint/2010/main" val="534925951"/>
+        <p14:creationId xmlns:p14="http://schemas.microsoft.com/office/powerpoint/2010/main" val="4061772057"/>
       </p:ext>
     </p:extLst>
   </p:cSld>
@@ -3432,7 +3437,7 @@
     </p:spTree>
     <p:extLst>
       <p:ext uri="{BB962C8B-B14F-4D97-AF65-F5344CB8AC3E}">
-        <p14:creationId xmlns:p14="http://schemas.microsoft.com/office/powerpoint/2010/main" val="834389029"/>
+        <p14:creationId xmlns:p14="http://schemas.microsoft.com/office/powerpoint/2010/main" val="46962649"/>
       </p:ext>
     </p:extLst>
   </p:cSld>
@@ -3471,15 +3476,15 @@
         </p:nvSpPr>
         <p:spPr>
           <a:xfrm>
-            <a:off x="1154957" y="901579"/>
-            <a:ext cx="8825657" cy="603518"/>
+            <a:off x="1734691" y="1051290"/>
+            <a:ext cx="13255723" cy="703734"/>
           </a:xfrm>
         </p:spPr>
         <p:txBody>
           <a:bodyPr anchor="b"/>
           <a:lstStyle>
             <a:lvl1pPr algn="l">
-              <a:defRPr sz="1260" b="0" cap="none"/>
+              <a:defRPr sz="1470" b="0" cap="none"/>
             </a:lvl1pPr>
           </a:lstStyle>
           <a:p>
@@ -3503,8 +3508,8 @@
         </p:nvSpPr>
         <p:spPr>
           <a:xfrm>
-            <a:off x="1154955" y="1505096"/>
-            <a:ext cx="8825658" cy="271066"/>
+            <a:off x="1734688" y="1755024"/>
+            <a:ext cx="13255725" cy="316078"/>
           </a:xfrm>
         </p:spPr>
         <p:txBody>
@@ -3512,7 +3517,7 @@
           <a:lstStyle>
             <a:lvl1pPr marL="0" indent="0" algn="l">
               <a:buNone/>
-              <a:defRPr sz="630" cap="all">
+              <a:defRPr sz="735" cap="all">
                 <a:solidFill>
                   <a:schemeClr val="bg2">
                     <a:lumMod val="40000"/>
@@ -3521,9 +3526,9 @@
                 </a:solidFill>
               </a:defRPr>
             </a:lvl1pPr>
-            <a:lvl2pPr marL="144018" indent="0">
-              <a:buNone/>
-              <a:defRPr sz="567">
+            <a:lvl2pPr marL="167975" indent="0">
+              <a:buNone/>
+              <a:defRPr sz="661">
                 <a:solidFill>
                   <a:schemeClr val="tx1">
                     <a:tint val="75000"/>
@@ -3531,9 +3536,9 @@
                 </a:solidFill>
               </a:defRPr>
             </a:lvl2pPr>
-            <a:lvl3pPr marL="288036" indent="0">
-              <a:buNone/>
-              <a:defRPr sz="504">
+            <a:lvl3pPr marL="335951" indent="0">
+              <a:buNone/>
+              <a:defRPr sz="588">
                 <a:solidFill>
                   <a:schemeClr val="tx1">
                     <a:tint val="75000"/>
@@ -3541,9 +3546,9 @@
                 </a:solidFill>
               </a:defRPr>
             </a:lvl3pPr>
-            <a:lvl4pPr marL="432054" indent="0">
-              <a:buNone/>
-              <a:defRPr sz="441">
+            <a:lvl4pPr marL="503926" indent="0">
+              <a:buNone/>
+              <a:defRPr sz="514">
                 <a:solidFill>
                   <a:schemeClr val="tx1">
                     <a:tint val="75000"/>
@@ -3551,9 +3556,9 @@
                 </a:solidFill>
               </a:defRPr>
             </a:lvl4pPr>
-            <a:lvl5pPr marL="576072" indent="0">
-              <a:buNone/>
-              <a:defRPr sz="441">
+            <a:lvl5pPr marL="671901" indent="0">
+              <a:buNone/>
+              <a:defRPr sz="514">
                 <a:solidFill>
                   <a:schemeClr val="tx1">
                     <a:tint val="75000"/>
@@ -3561,9 +3566,9 @@
                 </a:solidFill>
               </a:defRPr>
             </a:lvl5pPr>
-            <a:lvl6pPr marL="720090" indent="0">
-              <a:buNone/>
-              <a:defRPr sz="441">
+            <a:lvl6pPr marL="839876" indent="0">
+              <a:buNone/>
+              <a:defRPr sz="514">
                 <a:solidFill>
                   <a:schemeClr val="tx1">
                     <a:tint val="75000"/>
@@ -3571,9 +3576,9 @@
                 </a:solidFill>
               </a:defRPr>
             </a:lvl6pPr>
-            <a:lvl7pPr marL="864108" indent="0">
-              <a:buNone/>
-              <a:defRPr sz="441">
+            <a:lvl7pPr marL="1007852" indent="0">
+              <a:buNone/>
+              <a:defRPr sz="514">
                 <a:solidFill>
                   <a:schemeClr val="tx1">
                     <a:tint val="75000"/>
@@ -3581,9 +3586,9 @@
                 </a:solidFill>
               </a:defRPr>
             </a:lvl7pPr>
-            <a:lvl8pPr marL="1008126" indent="0">
-              <a:buNone/>
-              <a:defRPr sz="441">
+            <a:lvl8pPr marL="1175827" indent="0">
+              <a:buNone/>
+              <a:defRPr sz="514">
                 <a:solidFill>
                   <a:schemeClr val="tx1">
                     <a:tint val="75000"/>
@@ -3591,9 +3596,9 @@
                 </a:solidFill>
               </a:defRPr>
             </a:lvl8pPr>
-            <a:lvl9pPr marL="1152144" indent="0">
-              <a:buNone/>
-              <a:defRPr sz="441">
+            <a:lvl9pPr marL="1343802" indent="0">
+              <a:buNone/>
+              <a:defRPr sz="514">
                 <a:solidFill>
                   <a:schemeClr val="tx1">
                     <a:tint val="75000"/>
@@ -3679,7 +3684,7 @@
     </p:spTree>
     <p:extLst>
       <p:ext uri="{BB962C8B-B14F-4D97-AF65-F5344CB8AC3E}">
-        <p14:creationId xmlns:p14="http://schemas.microsoft.com/office/powerpoint/2010/main" val="2194818004"/>
+        <p14:creationId xmlns:p14="http://schemas.microsoft.com/office/powerpoint/2010/main" val="296806517"/>
       </p:ext>
     </p:extLst>
   </p:cSld>
@@ -3741,8 +3746,8 @@
         </p:nvSpPr>
         <p:spPr>
           <a:xfrm>
-            <a:off x="1103313" y="649177"/>
-            <a:ext cx="4396339" cy="1321860"/>
+            <a:off x="1657124" y="756976"/>
+            <a:ext cx="6603095" cy="1541360"/>
           </a:xfrm>
         </p:spPr>
         <p:txBody>
@@ -3751,31 +3756,31 @@
           </a:bodyPr>
           <a:lstStyle>
             <a:lvl1pPr>
-              <a:defRPr sz="567"/>
+              <a:defRPr sz="661"/>
             </a:lvl1pPr>
             <a:lvl2pPr>
-              <a:defRPr sz="504"/>
+              <a:defRPr sz="588"/>
             </a:lvl2pPr>
             <a:lvl3pPr>
-              <a:defRPr sz="441"/>
+              <a:defRPr sz="514"/>
             </a:lvl3pPr>
             <a:lvl4pPr>
-              <a:defRPr sz="378"/>
+              <a:defRPr sz="441"/>
             </a:lvl4pPr>
             <a:lvl5pPr>
-              <a:defRPr sz="378"/>
+              <a:defRPr sz="441"/>
             </a:lvl5pPr>
             <a:lvl6pPr>
-              <a:defRPr sz="378"/>
+              <a:defRPr sz="441"/>
             </a:lvl6pPr>
             <a:lvl7pPr>
-              <a:defRPr sz="378"/>
+              <a:defRPr sz="441"/>
             </a:lvl7pPr>
             <a:lvl8pPr>
-              <a:defRPr sz="378"/>
+              <a:defRPr sz="441"/>
             </a:lvl8pPr>
             <a:lvl9pPr>
-              <a:defRPr sz="378"/>
+              <a:defRPr sz="441"/>
             </a:lvl9pPr>
           </a:lstStyle>
           <a:p>
@@ -3828,8 +3833,8 @@
         </p:nvSpPr>
         <p:spPr>
           <a:xfrm>
-            <a:off x="5654494" y="647764"/>
-            <a:ext cx="4396341" cy="1323272"/>
+            <a:off x="8492785" y="755329"/>
+            <a:ext cx="6603098" cy="1543007"/>
           </a:xfrm>
         </p:spPr>
         <p:txBody>
@@ -3838,31 +3843,31 @@
           </a:bodyPr>
           <a:lstStyle>
             <a:lvl1pPr>
-              <a:defRPr sz="567"/>
+              <a:defRPr sz="661"/>
             </a:lvl1pPr>
             <a:lvl2pPr>
-              <a:defRPr sz="504"/>
+              <a:defRPr sz="588"/>
             </a:lvl2pPr>
             <a:lvl3pPr>
-              <a:defRPr sz="441"/>
+              <a:defRPr sz="514"/>
             </a:lvl3pPr>
             <a:lvl4pPr>
-              <a:defRPr sz="378"/>
+              <a:defRPr sz="441"/>
             </a:lvl4pPr>
             <a:lvl5pPr>
-              <a:defRPr sz="378"/>
+              <a:defRPr sz="441"/>
             </a:lvl5pPr>
             <a:lvl6pPr>
-              <a:defRPr sz="378"/>
+              <a:defRPr sz="441"/>
             </a:lvl6pPr>
             <a:lvl7pPr>
-              <a:defRPr sz="378"/>
+              <a:defRPr sz="441"/>
             </a:lvl7pPr>
             <a:lvl8pPr>
-              <a:defRPr sz="378"/>
+              <a:defRPr sz="441"/>
             </a:lvl8pPr>
             <a:lvl9pPr>
-              <a:defRPr sz="378"/>
+              <a:defRPr sz="441"/>
             </a:lvl9pPr>
           </a:lstStyle>
           <a:p>
@@ -3971,7 +3976,7 @@
     </p:spTree>
     <p:extLst>
       <p:ext uri="{BB962C8B-B14F-4D97-AF65-F5344CB8AC3E}">
-        <p14:creationId xmlns:p14="http://schemas.microsoft.com/office/powerpoint/2010/main" val="554272061"/>
+        <p14:creationId xmlns:p14="http://schemas.microsoft.com/office/powerpoint/2010/main" val="4167295330"/>
       </p:ext>
     </p:extLst>
   </p:cSld>
@@ -4037,8 +4042,8 @@
         </p:nvSpPr>
         <p:spPr>
           <a:xfrm>
-            <a:off x="1103313" y="600163"/>
-            <a:ext cx="4396338" cy="181549"/>
+            <a:off x="1657124" y="699823"/>
+            <a:ext cx="6603094" cy="211696"/>
           </a:xfrm>
         </p:spPr>
         <p:txBody>
@@ -4048,7 +4053,7 @@
           <a:lstStyle>
             <a:lvl1pPr marL="0" indent="0">
               <a:buNone/>
-              <a:defRPr sz="756" b="0">
+              <a:defRPr sz="882" b="0">
                 <a:solidFill>
                   <a:schemeClr val="bg2">
                     <a:lumMod val="40000"/>
@@ -4057,37 +4062,37 @@
                 </a:solidFill>
               </a:defRPr>
             </a:lvl1pPr>
-            <a:lvl2pPr marL="144018" indent="0">
-              <a:buNone/>
-              <a:defRPr sz="630" b="1"/>
+            <a:lvl2pPr marL="167975" indent="0">
+              <a:buNone/>
+              <a:defRPr sz="735" b="1"/>
             </a:lvl2pPr>
-            <a:lvl3pPr marL="288036" indent="0">
-              <a:buNone/>
-              <a:defRPr sz="567" b="1"/>
+            <a:lvl3pPr marL="335951" indent="0">
+              <a:buNone/>
+              <a:defRPr sz="661" b="1"/>
             </a:lvl3pPr>
-            <a:lvl4pPr marL="432054" indent="0">
-              <a:buNone/>
-              <a:defRPr sz="504" b="1"/>
+            <a:lvl4pPr marL="503926" indent="0">
+              <a:buNone/>
+              <a:defRPr sz="588" b="1"/>
             </a:lvl4pPr>
-            <a:lvl5pPr marL="576072" indent="0">
-              <a:buNone/>
-              <a:defRPr sz="504" b="1"/>
+            <a:lvl5pPr marL="671901" indent="0">
+              <a:buNone/>
+              <a:defRPr sz="588" b="1"/>
             </a:lvl5pPr>
-            <a:lvl6pPr marL="720090" indent="0">
-              <a:buNone/>
-              <a:defRPr sz="504" b="1"/>
+            <a:lvl6pPr marL="839876" indent="0">
+              <a:buNone/>
+              <a:defRPr sz="588" b="1"/>
             </a:lvl6pPr>
-            <a:lvl7pPr marL="864108" indent="0">
-              <a:buNone/>
-              <a:defRPr sz="504" b="1"/>
+            <a:lvl7pPr marL="1007852" indent="0">
+              <a:buNone/>
+              <a:defRPr sz="588" b="1"/>
             </a:lvl7pPr>
-            <a:lvl8pPr marL="1008126" indent="0">
-              <a:buNone/>
-              <a:defRPr sz="504" b="1"/>
+            <a:lvl8pPr marL="1175827" indent="0">
+              <a:buNone/>
+              <a:defRPr sz="588" b="1"/>
             </a:lvl8pPr>
-            <a:lvl9pPr marL="1152144" indent="0">
-              <a:buNone/>
-              <a:defRPr sz="504" b="1"/>
+            <a:lvl9pPr marL="1343802" indent="0">
+              <a:buNone/>
+              <a:defRPr sz="588" b="1"/>
             </a:lvl9pPr>
           </a:lstStyle>
           <a:p>
@@ -4111,8 +4116,8 @@
         </p:nvSpPr>
         <p:spPr>
           <a:xfrm>
-            <a:off x="1103313" y="792216"/>
-            <a:ext cx="4396339" cy="1178821"/>
+            <a:off x="1657124" y="923767"/>
+            <a:ext cx="6603095" cy="1374569"/>
           </a:xfrm>
         </p:spPr>
         <p:txBody>
@@ -4121,31 +4126,31 @@
           </a:bodyPr>
           <a:lstStyle>
             <a:lvl1pPr>
-              <a:defRPr sz="567"/>
+              <a:defRPr sz="661"/>
             </a:lvl1pPr>
             <a:lvl2pPr>
-              <a:defRPr sz="504"/>
+              <a:defRPr sz="588"/>
             </a:lvl2pPr>
             <a:lvl3pPr>
-              <a:defRPr sz="441"/>
+              <a:defRPr sz="514"/>
             </a:lvl3pPr>
             <a:lvl4pPr>
-              <a:defRPr sz="378"/>
+              <a:defRPr sz="441"/>
             </a:lvl4pPr>
             <a:lvl5pPr>
-              <a:defRPr sz="378"/>
+              <a:defRPr sz="441"/>
             </a:lvl5pPr>
             <a:lvl6pPr>
-              <a:defRPr sz="378"/>
+              <a:defRPr sz="441"/>
             </a:lvl6pPr>
             <a:lvl7pPr>
-              <a:defRPr sz="378"/>
+              <a:defRPr sz="441"/>
             </a:lvl7pPr>
             <a:lvl8pPr>
-              <a:defRPr sz="378"/>
+              <a:defRPr sz="441"/>
             </a:lvl8pPr>
             <a:lvl9pPr>
-              <a:defRPr sz="378"/>
+              <a:defRPr sz="441"/>
             </a:lvl9pPr>
           </a:lstStyle>
           <a:p>
@@ -4198,8 +4203,8 @@
         </p:nvSpPr>
         <p:spPr>
           <a:xfrm>
-            <a:off x="5654495" y="600163"/>
-            <a:ext cx="4396339" cy="181549"/>
+            <a:off x="8492788" y="699823"/>
+            <a:ext cx="6603095" cy="211696"/>
           </a:xfrm>
         </p:spPr>
         <p:txBody>
@@ -4209,7 +4214,7 @@
           <a:lstStyle>
             <a:lvl1pPr marL="0" indent="0">
               <a:buNone/>
-              <a:defRPr sz="756" b="0">
+              <a:defRPr sz="882" b="0">
                 <a:solidFill>
                   <a:schemeClr val="bg2">
                     <a:lumMod val="40000"/>
@@ -4218,37 +4223,37 @@
                 </a:solidFill>
               </a:defRPr>
             </a:lvl1pPr>
-            <a:lvl2pPr marL="144018" indent="0">
-              <a:buNone/>
-              <a:defRPr sz="630" b="1"/>
+            <a:lvl2pPr marL="167975" indent="0">
+              <a:buNone/>
+              <a:defRPr sz="735" b="1"/>
             </a:lvl2pPr>
-            <a:lvl3pPr marL="288036" indent="0">
-              <a:buNone/>
-              <a:defRPr sz="567" b="1"/>
+            <a:lvl3pPr marL="335951" indent="0">
+              <a:buNone/>
+              <a:defRPr sz="661" b="1"/>
             </a:lvl3pPr>
-            <a:lvl4pPr marL="432054" indent="0">
-              <a:buNone/>
-              <a:defRPr sz="504" b="1"/>
+            <a:lvl4pPr marL="503926" indent="0">
+              <a:buNone/>
+              <a:defRPr sz="588" b="1"/>
             </a:lvl4pPr>
-            <a:lvl5pPr marL="576072" indent="0">
-              <a:buNone/>
-              <a:defRPr sz="504" b="1"/>
+            <a:lvl5pPr marL="671901" indent="0">
+              <a:buNone/>
+              <a:defRPr sz="588" b="1"/>
             </a:lvl5pPr>
-            <a:lvl6pPr marL="720090" indent="0">
-              <a:buNone/>
-              <a:defRPr sz="504" b="1"/>
+            <a:lvl6pPr marL="839876" indent="0">
+              <a:buNone/>
+              <a:defRPr sz="588" b="1"/>
             </a:lvl6pPr>
-            <a:lvl7pPr marL="864108" indent="0">
-              <a:buNone/>
-              <a:defRPr sz="504" b="1"/>
+            <a:lvl7pPr marL="1007852" indent="0">
+              <a:buNone/>
+              <a:defRPr sz="588" b="1"/>
             </a:lvl7pPr>
-            <a:lvl8pPr marL="1008126" indent="0">
-              <a:buNone/>
-              <a:defRPr sz="504" b="1"/>
+            <a:lvl8pPr marL="1175827" indent="0">
+              <a:buNone/>
+              <a:defRPr sz="588" b="1"/>
             </a:lvl8pPr>
-            <a:lvl9pPr marL="1152144" indent="0">
-              <a:buNone/>
-              <a:defRPr sz="504" b="1"/>
+            <a:lvl9pPr marL="1343802" indent="0">
+              <a:buNone/>
+              <a:defRPr sz="588" b="1"/>
             </a:lvl9pPr>
           </a:lstStyle>
           <a:p>
@@ -4272,8 +4277,8 @@
         </p:nvSpPr>
         <p:spPr>
           <a:xfrm>
-            <a:off x="5654495" y="792216"/>
-            <a:ext cx="4396339" cy="1178821"/>
+            <a:off x="8492788" y="923767"/>
+            <a:ext cx="6603095" cy="1374569"/>
           </a:xfrm>
         </p:spPr>
         <p:txBody>
@@ -4282,31 +4287,31 @@
           </a:bodyPr>
           <a:lstStyle>
             <a:lvl1pPr>
-              <a:defRPr sz="567"/>
+              <a:defRPr sz="661"/>
             </a:lvl1pPr>
             <a:lvl2pPr>
-              <a:defRPr sz="504"/>
+              <a:defRPr sz="588"/>
             </a:lvl2pPr>
             <a:lvl3pPr>
-              <a:defRPr sz="441"/>
+              <a:defRPr sz="514"/>
             </a:lvl3pPr>
             <a:lvl4pPr>
-              <a:defRPr sz="378"/>
+              <a:defRPr sz="441"/>
             </a:lvl4pPr>
             <a:lvl5pPr>
-              <a:defRPr sz="378"/>
+              <a:defRPr sz="441"/>
             </a:lvl5pPr>
             <a:lvl6pPr>
-              <a:defRPr sz="378"/>
+              <a:defRPr sz="441"/>
             </a:lvl6pPr>
             <a:lvl7pPr>
-              <a:defRPr sz="378"/>
+              <a:defRPr sz="441"/>
             </a:lvl7pPr>
             <a:lvl8pPr>
-              <a:defRPr sz="378"/>
+              <a:defRPr sz="441"/>
             </a:lvl8pPr>
             <a:lvl9pPr>
-              <a:defRPr sz="378"/>
+              <a:defRPr sz="441"/>
             </a:lvl9pPr>
           </a:lstStyle>
           <a:p>
@@ -4415,7 +4420,7 @@
     </p:spTree>
     <p:extLst>
       <p:ext uri="{BB962C8B-B14F-4D97-AF65-F5344CB8AC3E}">
-        <p14:creationId xmlns:p14="http://schemas.microsoft.com/office/powerpoint/2010/main" val="3560583791"/>
+        <p14:creationId xmlns:p14="http://schemas.microsoft.com/office/powerpoint/2010/main" val="3942592126"/>
       </p:ext>
     </p:extLst>
   </p:cSld>
@@ -4533,7 +4538,7 @@
     </p:spTree>
     <p:extLst>
       <p:ext uri="{BB962C8B-B14F-4D97-AF65-F5344CB8AC3E}">
-        <p14:creationId xmlns:p14="http://schemas.microsoft.com/office/powerpoint/2010/main" val="1930229660"/>
+        <p14:creationId xmlns:p14="http://schemas.microsoft.com/office/powerpoint/2010/main" val="2869604787"/>
       </p:ext>
     </p:extLst>
   </p:cSld>
@@ -4628,7 +4633,7 @@
     </p:spTree>
     <p:extLst>
       <p:ext uri="{BB962C8B-B14F-4D97-AF65-F5344CB8AC3E}">
-        <p14:creationId xmlns:p14="http://schemas.microsoft.com/office/powerpoint/2010/main" val="1769247450"/>
+        <p14:creationId xmlns:p14="http://schemas.microsoft.com/office/powerpoint/2010/main" val="3167970467"/>
       </p:ext>
     </p:extLst>
   </p:cSld>
@@ -4667,15 +4672,15 @@
         </p:nvSpPr>
         <p:spPr>
           <a:xfrm>
-            <a:off x="1154953" y="456124"/>
-            <a:ext cx="3401064" cy="456124"/>
+            <a:off x="1734685" y="531865"/>
+            <a:ext cx="5108239" cy="531866"/>
           </a:xfrm>
         </p:spPr>
         <p:txBody>
           <a:bodyPr anchor="b"/>
           <a:lstStyle>
             <a:lvl1pPr algn="l">
-              <a:defRPr sz="756" b="0"/>
+              <a:defRPr sz="882" b="0"/>
             </a:lvl1pPr>
           </a:lstStyle>
           <a:p>
@@ -4699,8 +4704,8 @@
         </p:nvSpPr>
         <p:spPr>
           <a:xfrm>
-            <a:off x="4784617" y="456124"/>
-            <a:ext cx="5195997" cy="1440392"/>
+            <a:off x="7186270" y="531866"/>
+            <a:ext cx="7804144" cy="1679575"/>
           </a:xfrm>
         </p:spPr>
         <p:txBody>
@@ -4709,31 +4714,31 @@
           </a:bodyPr>
           <a:lstStyle>
             <a:lvl1pPr>
-              <a:defRPr sz="630"/>
+              <a:defRPr sz="735"/>
             </a:lvl1pPr>
             <a:lvl2pPr>
-              <a:defRPr sz="567"/>
+              <a:defRPr sz="661"/>
             </a:lvl2pPr>
             <a:lvl3pPr>
-              <a:defRPr sz="504"/>
+              <a:defRPr sz="588"/>
             </a:lvl3pPr>
             <a:lvl4pPr>
-              <a:defRPr sz="441"/>
+              <a:defRPr sz="514"/>
             </a:lvl4pPr>
             <a:lvl5pPr>
-              <a:defRPr sz="441"/>
+              <a:defRPr sz="514"/>
             </a:lvl5pPr>
             <a:lvl6pPr>
-              <a:defRPr sz="441"/>
+              <a:defRPr sz="514"/>
             </a:lvl6pPr>
             <a:lvl7pPr>
-              <a:defRPr sz="441"/>
+              <a:defRPr sz="514"/>
             </a:lvl7pPr>
             <a:lvl8pPr>
-              <a:defRPr sz="441"/>
+              <a:defRPr sz="514"/>
             </a:lvl8pPr>
             <a:lvl9pPr>
-              <a:defRPr sz="441"/>
+              <a:defRPr sz="514"/>
             </a:lvl9pPr>
           </a:lstStyle>
           <a:p>
@@ -4786,8 +4791,8 @@
         </p:nvSpPr>
         <p:spPr>
           <a:xfrm>
-            <a:off x="1154954" y="985868"/>
-            <a:ext cx="3401063" cy="912248"/>
+            <a:off x="1734686" y="1149576"/>
+            <a:ext cx="5108237" cy="1063731"/>
           </a:xfrm>
         </p:spPr>
         <p:txBody>
@@ -4795,39 +4800,39 @@
           <a:lstStyle>
             <a:lvl1pPr marL="0" indent="0">
               <a:buNone/>
+              <a:defRPr sz="514"/>
+            </a:lvl1pPr>
+            <a:lvl2pPr marL="167975" indent="0">
+              <a:buNone/>
               <a:defRPr sz="441"/>
-            </a:lvl1pPr>
-            <a:lvl2pPr marL="144018" indent="0">
-              <a:buNone/>
-              <a:defRPr sz="378"/>
             </a:lvl2pPr>
-            <a:lvl3pPr marL="288036" indent="0">
-              <a:buNone/>
-              <a:defRPr sz="315"/>
+            <a:lvl3pPr marL="335951" indent="0">
+              <a:buNone/>
+              <a:defRPr sz="367"/>
             </a:lvl3pPr>
-            <a:lvl4pPr marL="432054" indent="0">
-              <a:buNone/>
-              <a:defRPr sz="284"/>
+            <a:lvl4pPr marL="503926" indent="0">
+              <a:buNone/>
+              <a:defRPr sz="331"/>
             </a:lvl4pPr>
-            <a:lvl5pPr marL="576072" indent="0">
-              <a:buNone/>
-              <a:defRPr sz="284"/>
+            <a:lvl5pPr marL="671901" indent="0">
+              <a:buNone/>
+              <a:defRPr sz="331"/>
             </a:lvl5pPr>
-            <a:lvl6pPr marL="720090" indent="0">
-              <a:buNone/>
-              <a:defRPr sz="284"/>
+            <a:lvl6pPr marL="839876" indent="0">
+              <a:buNone/>
+              <a:defRPr sz="331"/>
             </a:lvl6pPr>
-            <a:lvl7pPr marL="864108" indent="0">
-              <a:buNone/>
-              <a:defRPr sz="284"/>
+            <a:lvl7pPr marL="1007852" indent="0">
+              <a:buNone/>
+              <a:defRPr sz="331"/>
             </a:lvl7pPr>
-            <a:lvl8pPr marL="1008126" indent="0">
-              <a:buNone/>
-              <a:defRPr sz="284"/>
+            <a:lvl8pPr marL="1175827" indent="0">
+              <a:buNone/>
+              <a:defRPr sz="331"/>
             </a:lvl8pPr>
-            <a:lvl9pPr marL="1152144" indent="0">
-              <a:buNone/>
-              <a:defRPr sz="284"/>
+            <a:lvl9pPr marL="1343802" indent="0">
+              <a:buNone/>
+              <a:defRPr sz="331"/>
             </a:lvl9pPr>
           </a:lstStyle>
           <a:p>
@@ -4907,7 +4912,7 @@
     </p:spTree>
     <p:extLst>
       <p:ext uri="{BB962C8B-B14F-4D97-AF65-F5344CB8AC3E}">
-        <p14:creationId xmlns:p14="http://schemas.microsoft.com/office/powerpoint/2010/main" val="68346241"/>
+        <p14:creationId xmlns:p14="http://schemas.microsoft.com/office/powerpoint/2010/main" val="2356006961"/>
       </p:ext>
     </p:extLst>
   </p:cSld>
@@ -4946,8 +4951,8 @@
         </p:nvSpPr>
         <p:spPr>
           <a:xfrm>
-            <a:off x="1153907" y="584156"/>
-            <a:ext cx="5092906" cy="496138"/>
+            <a:off x="1733114" y="681158"/>
+            <a:ext cx="7649306" cy="578523"/>
           </a:xfrm>
         </p:spPr>
         <p:txBody>
@@ -4956,7 +4961,7 @@
           </a:bodyPr>
           <a:lstStyle>
             <a:lvl1pPr algn="l">
-              <a:defRPr sz="1134" b="0"/>
+              <a:defRPr sz="1323" b="0"/>
             </a:lvl1pPr>
           </a:lstStyle>
           <a:p>
@@ -4980,8 +4985,8 @@
         </p:nvSpPr>
         <p:spPr>
           <a:xfrm>
-            <a:off x="6949546" y="360098"/>
-            <a:ext cx="3200400" cy="1440392"/>
+            <a:off x="10437893" y="419894"/>
+            <a:ext cx="4806851" cy="1679575"/>
           </a:xfrm>
           <a:prstGeom prst="roundRect">
             <a:avLst>
@@ -5003,39 +5008,39 @@
           <a:lstStyle>
             <a:lvl1pPr marL="0" indent="0" algn="ctr">
               <a:buNone/>
-              <a:defRPr sz="504"/>
+              <a:defRPr sz="588"/>
             </a:lvl1pPr>
-            <a:lvl2pPr marL="144018" indent="0">
-              <a:buNone/>
-              <a:defRPr sz="504"/>
+            <a:lvl2pPr marL="167975" indent="0">
+              <a:buNone/>
+              <a:defRPr sz="588"/>
             </a:lvl2pPr>
-            <a:lvl3pPr marL="288036" indent="0">
-              <a:buNone/>
-              <a:defRPr sz="504"/>
+            <a:lvl3pPr marL="335951" indent="0">
+              <a:buNone/>
+              <a:defRPr sz="588"/>
             </a:lvl3pPr>
-            <a:lvl4pPr marL="432054" indent="0">
-              <a:buNone/>
-              <a:defRPr sz="504"/>
+            <a:lvl4pPr marL="503926" indent="0">
+              <a:buNone/>
+              <a:defRPr sz="588"/>
             </a:lvl4pPr>
-            <a:lvl5pPr marL="576072" indent="0">
-              <a:buNone/>
-              <a:defRPr sz="504"/>
+            <a:lvl5pPr marL="671901" indent="0">
+              <a:buNone/>
+              <a:defRPr sz="588"/>
             </a:lvl5pPr>
-            <a:lvl6pPr marL="720090" indent="0">
-              <a:buNone/>
-              <a:defRPr sz="504"/>
+            <a:lvl6pPr marL="839876" indent="0">
+              <a:buNone/>
+              <a:defRPr sz="588"/>
             </a:lvl6pPr>
-            <a:lvl7pPr marL="864108" indent="0">
-              <a:buNone/>
-              <a:defRPr sz="504"/>
+            <a:lvl7pPr marL="1007852" indent="0">
+              <a:buNone/>
+              <a:defRPr sz="588"/>
             </a:lvl7pPr>
-            <a:lvl8pPr marL="1008126" indent="0">
-              <a:buNone/>
-              <a:defRPr sz="504"/>
+            <a:lvl8pPr marL="1175827" indent="0">
+              <a:buNone/>
+              <a:defRPr sz="588"/>
             </a:lvl8pPr>
-            <a:lvl9pPr marL="1152144" indent="0">
-              <a:buNone/>
-              <a:defRPr sz="504"/>
+            <a:lvl9pPr marL="1343802" indent="0">
+              <a:buNone/>
+              <a:defRPr sz="588"/>
             </a:lvl9pPr>
           </a:lstStyle>
           <a:p>
@@ -5059,8 +5064,8 @@
         </p:nvSpPr>
         <p:spPr>
           <a:xfrm>
-            <a:off x="1154955" y="1152313"/>
-            <a:ext cx="5084979" cy="432118"/>
+            <a:off x="1734688" y="1343660"/>
+            <a:ext cx="7637400" cy="503873"/>
           </a:xfrm>
         </p:spPr>
         <p:txBody>
@@ -5070,39 +5075,39 @@
           <a:lstStyle>
             <a:lvl1pPr marL="0" indent="0">
               <a:buNone/>
+              <a:defRPr sz="514"/>
+            </a:lvl1pPr>
+            <a:lvl2pPr marL="167975" indent="0">
+              <a:buNone/>
               <a:defRPr sz="441"/>
-            </a:lvl1pPr>
-            <a:lvl2pPr marL="144018" indent="0">
-              <a:buNone/>
-              <a:defRPr sz="378"/>
             </a:lvl2pPr>
-            <a:lvl3pPr marL="288036" indent="0">
-              <a:buNone/>
-              <a:defRPr sz="315"/>
+            <a:lvl3pPr marL="335951" indent="0">
+              <a:buNone/>
+              <a:defRPr sz="367"/>
             </a:lvl3pPr>
-            <a:lvl4pPr marL="432054" indent="0">
-              <a:buNone/>
-              <a:defRPr sz="284"/>
+            <a:lvl4pPr marL="503926" indent="0">
+              <a:buNone/>
+              <a:defRPr sz="331"/>
             </a:lvl4pPr>
-            <a:lvl5pPr marL="576072" indent="0">
-              <a:buNone/>
-              <a:defRPr sz="284"/>
+            <a:lvl5pPr marL="671901" indent="0">
+              <a:buNone/>
+              <a:defRPr sz="331"/>
             </a:lvl5pPr>
-            <a:lvl6pPr marL="720090" indent="0">
-              <a:buNone/>
-              <a:defRPr sz="284"/>
+            <a:lvl6pPr marL="839876" indent="0">
+              <a:buNone/>
+              <a:defRPr sz="331"/>
             </a:lvl6pPr>
-            <a:lvl7pPr marL="864108" indent="0">
-              <a:buNone/>
-              <a:defRPr sz="284"/>
+            <a:lvl7pPr marL="1007852" indent="0">
+              <a:buNone/>
+              <a:defRPr sz="331"/>
             </a:lvl7pPr>
-            <a:lvl8pPr marL="1008126" indent="0">
-              <a:buNone/>
-              <a:defRPr sz="284"/>
+            <a:lvl8pPr marL="1175827" indent="0">
+              <a:buNone/>
+              <a:defRPr sz="331"/>
             </a:lvl8pPr>
-            <a:lvl9pPr marL="1152144" indent="0">
-              <a:buNone/>
-              <a:defRPr sz="284"/>
+            <a:lvl9pPr marL="1343802" indent="0">
+              <a:buNone/>
+              <a:defRPr sz="331"/>
             </a:lvl9pPr>
           </a:lstStyle>
           <a:p>
@@ -5182,7 +5187,7 @@
     </p:spTree>
     <p:extLst>
       <p:ext uri="{BB962C8B-B14F-4D97-AF65-F5344CB8AC3E}">
-        <p14:creationId xmlns:p14="http://schemas.microsoft.com/office/powerpoint/2010/main" val="2623425401"/>
+        <p14:creationId xmlns:p14="http://schemas.microsoft.com/office/powerpoint/2010/main" val="518768967"/>
       </p:ext>
     </p:extLst>
   </p:cSld>
@@ -5235,8 +5240,8 @@
         </p:blipFill>
         <p:spPr>
           <a:xfrm>
-            <a:off x="0" y="841075"/>
-            <a:ext cx="4037012" cy="1319513"/>
+            <a:off x="0" y="980739"/>
+            <a:ext cx="6063403" cy="1538624"/>
           </a:xfrm>
           <a:prstGeom prst="rect">
             <a:avLst/>
@@ -5264,8 +5269,8 @@
         </p:blipFill>
         <p:spPr>
           <a:xfrm>
-            <a:off x="0" y="911224"/>
-            <a:ext cx="1522412" cy="745227"/>
+            <a:off x="0" y="1062536"/>
+            <a:ext cx="2286592" cy="868976"/>
           </a:xfrm>
           <a:prstGeom prst="rect">
             <a:avLst/>
@@ -5280,8 +5285,8 @@
         </p:nvSpPr>
         <p:spPr>
           <a:xfrm>
-            <a:off x="8609012" y="528144"/>
-            <a:ext cx="2819400" cy="888242"/>
+            <a:off x="12930333" y="615844"/>
+            <a:ext cx="4234607" cy="1035738"/>
           </a:xfrm>
           <a:prstGeom prst="ellipse">
             <a:avLst/>
@@ -5356,8 +5361,8 @@
         </p:blipFill>
         <p:spPr>
           <a:xfrm>
-            <a:off x="7999413" y="0"/>
-            <a:ext cx="1603387" cy="359596"/>
+            <a:off x="12014743" y="0"/>
+            <a:ext cx="2408212" cy="419309"/>
           </a:xfrm>
           <a:prstGeom prst="rect">
             <a:avLst/>
@@ -5385,8 +5390,8 @@
         </p:blipFill>
         <p:spPr>
           <a:xfrm>
-            <a:off x="8605878" y="1920523"/>
-            <a:ext cx="993734" cy="240065"/>
+            <a:off x="12925626" y="2239434"/>
+            <a:ext cx="1492542" cy="279929"/>
           </a:xfrm>
           <a:prstGeom prst="rect">
             <a:avLst/>
@@ -5401,8 +5406,8 @@
         </p:nvSpPr>
         <p:spPr>
           <a:xfrm>
-            <a:off x="10437812" y="0"/>
-            <a:ext cx="685800" cy="360098"/>
+            <a:off x="15677105" y="0"/>
+            <a:ext cx="1030039" cy="419894"/>
           </a:xfrm>
           <a:prstGeom prst="rect">
             <a:avLst/>
@@ -5441,8 +5446,8 @@
         </p:nvSpPr>
         <p:spPr>
           <a:xfrm>
-            <a:off x="646112" y="142627"/>
-            <a:ext cx="9404723" cy="441232"/>
+            <a:off x="970429" y="166311"/>
+            <a:ext cx="14125453" cy="514500"/>
           </a:xfrm>
           <a:prstGeom prst="rect">
             <a:avLst/>
@@ -5474,8 +5479,8 @@
         </p:nvSpPr>
         <p:spPr>
           <a:xfrm>
-            <a:off x="1103313" y="646765"/>
-            <a:ext cx="8946541" cy="1321771"/>
+            <a:off x="1657123" y="754163"/>
+            <a:ext cx="13437286" cy="1541257"/>
           </a:xfrm>
           <a:prstGeom prst="rect">
             <a:avLst/>
@@ -5536,8 +5541,8 @@
         </p:nvSpPr>
         <p:spPr>
           <a:xfrm rot="5400000">
-            <a:off x="10494897" y="459767"/>
-            <a:ext cx="312085" cy="304799"/>
+            <a:off x="15815258" y="484923"/>
+            <a:ext cx="363908" cy="457794"/>
           </a:xfrm>
           <a:prstGeom prst="rect">
             <a:avLst/>
@@ -5547,7 +5552,7 @@
           <a:bodyPr vert="horz" lIns="91440" tIns="45720" rIns="91440" bIns="45720" rtlCol="0" anchor="t"/>
           <a:lstStyle>
             <a:lvl1pPr algn="l">
-              <a:defRPr sz="347" b="0" i="0">
+              <a:defRPr sz="404" b="0" i="0">
                 <a:solidFill>
                   <a:schemeClr val="tx1">
                     <a:tint val="75000"/>
@@ -5578,8 +5583,8 @@
         </p:nvSpPr>
         <p:spPr>
           <a:xfrm rot="5400000">
-            <a:off x="10273464" y="911731"/>
-            <a:ext cx="1216014" cy="304801"/>
+            <a:off x="15634490" y="1011937"/>
+            <a:ext cx="1417939" cy="457797"/>
           </a:xfrm>
           <a:prstGeom prst="rect">
             <a:avLst/>
@@ -5589,7 +5594,7 @@
           <a:bodyPr vert="horz" lIns="91440" tIns="45720" rIns="91440" bIns="45720" rtlCol="0" anchor="b"/>
           <a:lstStyle>
             <a:lvl1pPr algn="l">
-              <a:defRPr sz="347" b="0" i="0">
+              <a:defRPr sz="404" b="0" i="0">
                 <a:solidFill>
                   <a:schemeClr val="tx1">
                     <a:tint val="75000"/>
@@ -5616,8 +5621,8 @@
         </p:nvSpPr>
         <p:spPr bwMode="gray">
           <a:xfrm>
-            <a:off x="10352541" y="93169"/>
-            <a:ext cx="838199" cy="241857"/>
+            <a:off x="15549031" y="108640"/>
+            <a:ext cx="1258936" cy="282018"/>
           </a:xfrm>
           <a:prstGeom prst="rect">
             <a:avLst/>
@@ -5627,7 +5632,7 @@
           <a:bodyPr vert="horz" lIns="91440" tIns="45720" rIns="91440" bIns="45720" rtlCol="0" anchor="b"/>
           <a:lstStyle>
             <a:lvl1pPr algn="ctr">
-              <a:defRPr sz="882" b="0" i="0">
+              <a:defRPr sz="1029" b="0" i="0">
                 <a:solidFill>
                   <a:schemeClr val="tx1">
                     <a:tint val="75000"/>
@@ -5648,38 +5653,38 @@
     </p:spTree>
     <p:extLst>
       <p:ext uri="{BB962C8B-B14F-4D97-AF65-F5344CB8AC3E}">
-        <p14:creationId xmlns:p14="http://schemas.microsoft.com/office/powerpoint/2010/main" val="1689875099"/>
+        <p14:creationId xmlns:p14="http://schemas.microsoft.com/office/powerpoint/2010/main" val="240300233"/>
       </p:ext>
     </p:extLst>
   </p:cSld>
   <p:clrMap bg1="dk1" tx1="lt1" bg2="dk2" tx2="lt2" accent1="accent1" accent2="accent2" accent3="accent3" accent4="accent4" accent5="accent5" accent6="accent6" hlink="hlink" folHlink="folHlink"/>
   <p:sldLayoutIdLst>
-    <p:sldLayoutId id="2147483685" r:id="rId1"/>
-    <p:sldLayoutId id="2147483686" r:id="rId2"/>
-    <p:sldLayoutId id="2147483687" r:id="rId3"/>
-    <p:sldLayoutId id="2147483688" r:id="rId4"/>
-    <p:sldLayoutId id="2147483689" r:id="rId5"/>
-    <p:sldLayoutId id="2147483690" r:id="rId6"/>
-    <p:sldLayoutId id="2147483691" r:id="rId7"/>
-    <p:sldLayoutId id="2147483692" r:id="rId8"/>
-    <p:sldLayoutId id="2147483693" r:id="rId9"/>
-    <p:sldLayoutId id="2147483694" r:id="rId10"/>
-    <p:sldLayoutId id="2147483695" r:id="rId11"/>
-    <p:sldLayoutId id="2147483696" r:id="rId12"/>
-    <p:sldLayoutId id="2147483697" r:id="rId13"/>
-    <p:sldLayoutId id="2147483698" r:id="rId14"/>
-    <p:sldLayoutId id="2147483699" r:id="rId15"/>
-    <p:sldLayoutId id="2147483700" r:id="rId16"/>
-    <p:sldLayoutId id="2147483701" r:id="rId17"/>
+    <p:sldLayoutId id="2147483703" r:id="rId1"/>
+    <p:sldLayoutId id="2147483704" r:id="rId2"/>
+    <p:sldLayoutId id="2147483705" r:id="rId3"/>
+    <p:sldLayoutId id="2147483706" r:id="rId4"/>
+    <p:sldLayoutId id="2147483707" r:id="rId5"/>
+    <p:sldLayoutId id="2147483708" r:id="rId6"/>
+    <p:sldLayoutId id="2147483709" r:id="rId7"/>
+    <p:sldLayoutId id="2147483710" r:id="rId8"/>
+    <p:sldLayoutId id="2147483711" r:id="rId9"/>
+    <p:sldLayoutId id="2147483712" r:id="rId10"/>
+    <p:sldLayoutId id="2147483713" r:id="rId11"/>
+    <p:sldLayoutId id="2147483714" r:id="rId12"/>
+    <p:sldLayoutId id="2147483715" r:id="rId13"/>
+    <p:sldLayoutId id="2147483716" r:id="rId14"/>
+    <p:sldLayoutId id="2147483717" r:id="rId15"/>
+    <p:sldLayoutId id="2147483718" r:id="rId16"/>
+    <p:sldLayoutId id="2147483719" r:id="rId17"/>
   </p:sldLayoutIdLst>
   <p:txStyles>
     <p:titleStyle>
-      <a:lvl1pPr algn="l" defTabSz="144018" rtl="0" eaLnBrk="1" latinLnBrk="0" hangingPunct="1">
+      <a:lvl1pPr algn="l" defTabSz="167975" rtl="0" eaLnBrk="1" latinLnBrk="0" hangingPunct="1">
         <a:spcBef>
           <a:spcPct val="0"/>
         </a:spcBef>
         <a:buNone/>
-        <a:defRPr sz="1323" b="0" i="0" kern="1200">
+        <a:defRPr sz="1543" b="0" i="0" kern="1200">
           <a:solidFill>
             <a:schemeClr val="tx2"/>
           </a:solidFill>
@@ -5746,9 +5751,9 @@
       </a:lvl9pPr>
     </p:titleStyle>
     <p:bodyStyle>
-      <a:lvl1pPr marL="108014" indent="-108014" algn="l" defTabSz="144018" rtl="0" eaLnBrk="1" latinLnBrk="0" hangingPunct="1">
+      <a:lvl1pPr marL="125981" indent="-125981" algn="l" defTabSz="167975" rtl="0" eaLnBrk="1" latinLnBrk="0" hangingPunct="1">
         <a:spcBef>
-          <a:spcPts val="315"/>
+          <a:spcPts val="367"/>
         </a:spcBef>
         <a:spcAft>
           <a:spcPts val="0"/>
@@ -5762,7 +5767,7 @@
         <a:buSzPct val="80000"/>
         <a:buFont typeface="Wingdings 3" charset="2"/>
         <a:buChar char=""/>
-        <a:defRPr sz="630" b="0" i="0" kern="1200">
+        <a:defRPr sz="735" b="0" i="0" kern="1200">
           <a:solidFill>
             <a:schemeClr val="tx1"/>
           </a:solidFill>
@@ -5771,9 +5776,9 @@
           <a:cs typeface="+mj-cs"/>
         </a:defRPr>
       </a:lvl1pPr>
-      <a:lvl2pPr marL="234029" indent="-90011" algn="l" defTabSz="144018" rtl="0" eaLnBrk="1" latinLnBrk="0" hangingPunct="1">
+      <a:lvl2pPr marL="272960" indent="-104985" algn="l" defTabSz="167975" rtl="0" eaLnBrk="1" latinLnBrk="0" hangingPunct="1">
         <a:spcBef>
-          <a:spcPts val="315"/>
+          <a:spcPts val="367"/>
         </a:spcBef>
         <a:spcAft>
           <a:spcPts val="0"/>
@@ -5787,7 +5792,7 @@
         <a:buSzPct val="80000"/>
         <a:buFont typeface="Wingdings 3" charset="2"/>
         <a:buChar char=""/>
-        <a:defRPr sz="567" b="0" i="0" kern="1200">
+        <a:defRPr sz="661" b="0" i="0" kern="1200">
           <a:solidFill>
             <a:schemeClr val="tx1"/>
           </a:solidFill>
@@ -5796,9 +5801,9 @@
           <a:cs typeface="+mj-cs"/>
         </a:defRPr>
       </a:lvl2pPr>
-      <a:lvl3pPr marL="360045" indent="-72009" algn="l" defTabSz="144018" rtl="0" eaLnBrk="1" latinLnBrk="0" hangingPunct="1">
+      <a:lvl3pPr marL="419938" indent="-83988" algn="l" defTabSz="167975" rtl="0" eaLnBrk="1" latinLnBrk="0" hangingPunct="1">
         <a:spcBef>
-          <a:spcPts val="315"/>
+          <a:spcPts val="367"/>
         </a:spcBef>
         <a:spcAft>
           <a:spcPts val="0"/>
@@ -5812,7 +5817,7 @@
         <a:buSzPct val="80000"/>
         <a:buFont typeface="Wingdings 3" charset="2"/>
         <a:buChar char=""/>
-        <a:defRPr sz="504" b="0" i="0" kern="1200">
+        <a:defRPr sz="588" b="0" i="0" kern="1200">
           <a:solidFill>
             <a:schemeClr val="tx1"/>
           </a:solidFill>
@@ -5821,9 +5826,9 @@
           <a:cs typeface="+mj-cs"/>
         </a:defRPr>
       </a:lvl3pPr>
-      <a:lvl4pPr marL="504063" indent="-72009" algn="l" defTabSz="144018" rtl="0" eaLnBrk="1" latinLnBrk="0" hangingPunct="1">
+      <a:lvl4pPr marL="587913" indent="-83988" algn="l" defTabSz="167975" rtl="0" eaLnBrk="1" latinLnBrk="0" hangingPunct="1">
         <a:spcBef>
-          <a:spcPts val="315"/>
+          <a:spcPts val="367"/>
         </a:spcBef>
         <a:spcAft>
           <a:spcPts val="0"/>
@@ -5837,7 +5842,7 @@
         <a:buSzPct val="80000"/>
         <a:buFont typeface="Wingdings 3" charset="2"/>
         <a:buChar char=""/>
-        <a:defRPr sz="441" b="0" i="0" kern="1200">
+        <a:defRPr sz="514" b="0" i="0" kern="1200">
           <a:solidFill>
             <a:schemeClr val="tx1"/>
           </a:solidFill>
@@ -5846,9 +5851,9 @@
           <a:cs typeface="+mj-cs"/>
         </a:defRPr>
       </a:lvl4pPr>
-      <a:lvl5pPr marL="648081" indent="-72009" algn="l" defTabSz="144018" rtl="0" eaLnBrk="1" latinLnBrk="0" hangingPunct="1">
+      <a:lvl5pPr marL="755889" indent="-83988" algn="l" defTabSz="167975" rtl="0" eaLnBrk="1" latinLnBrk="0" hangingPunct="1">
         <a:spcBef>
-          <a:spcPts val="315"/>
+          <a:spcPts val="367"/>
         </a:spcBef>
         <a:spcAft>
           <a:spcPts val="0"/>
@@ -5862,7 +5867,7 @@
         <a:buSzPct val="80000"/>
         <a:buFont typeface="Wingdings 3" charset="2"/>
         <a:buChar char=""/>
-        <a:defRPr sz="441" b="0" i="0" kern="1200">
+        <a:defRPr sz="514" b="0" i="0" kern="1200">
           <a:solidFill>
             <a:schemeClr val="tx1"/>
           </a:solidFill>
@@ -5871,9 +5876,9 @@
           <a:cs typeface="+mj-cs"/>
         </a:defRPr>
       </a:lvl5pPr>
-      <a:lvl6pPr marL="789390" indent="-72009" algn="l" defTabSz="144018" rtl="0" eaLnBrk="1" latinLnBrk="0" hangingPunct="1">
+      <a:lvl6pPr marL="920704" indent="-83988" algn="l" defTabSz="167975" rtl="0" eaLnBrk="1" latinLnBrk="0" hangingPunct="1">
         <a:spcBef>
-          <a:spcPts val="315"/>
+          <a:spcPts val="367"/>
         </a:spcBef>
         <a:spcAft>
           <a:spcPts val="0"/>
@@ -5887,7 +5892,7 @@
         <a:buSzPct val="80000"/>
         <a:buFont typeface="Wingdings 3" charset="2"/>
         <a:buChar char=""/>
-        <a:defRPr sz="441" b="0" i="0" kern="1200">
+        <a:defRPr sz="514" b="0" i="0" kern="1200">
           <a:solidFill>
             <a:schemeClr val="tx1"/>
           </a:solidFill>
@@ -5896,9 +5901,9 @@
           <a:cs typeface="+mj-cs"/>
         </a:defRPr>
       </a:lvl6pPr>
-      <a:lvl7pPr marL="936117" indent="-72009" algn="l" defTabSz="144018" rtl="0" eaLnBrk="1" latinLnBrk="0" hangingPunct="1">
+      <a:lvl7pPr marL="1091839" indent="-83988" algn="l" defTabSz="167975" rtl="0" eaLnBrk="1" latinLnBrk="0" hangingPunct="1">
         <a:spcBef>
-          <a:spcPts val="315"/>
+          <a:spcPts val="367"/>
         </a:spcBef>
         <a:spcAft>
           <a:spcPts val="0"/>
@@ -5912,7 +5917,7 @@
         <a:buSzPct val="80000"/>
         <a:buFont typeface="Wingdings 3" charset="2"/>
         <a:buChar char=""/>
-        <a:defRPr sz="441" b="0" i="0" kern="1200">
+        <a:defRPr sz="514" b="0" i="0" kern="1200">
           <a:solidFill>
             <a:schemeClr val="tx1"/>
           </a:solidFill>
@@ -5921,9 +5926,9 @@
           <a:cs typeface="+mj-cs"/>
         </a:defRPr>
       </a:lvl7pPr>
-      <a:lvl8pPr marL="1080135" indent="-72009" algn="l" defTabSz="144018" rtl="0" eaLnBrk="1" latinLnBrk="0" hangingPunct="1">
+      <a:lvl8pPr marL="1259815" indent="-83988" algn="l" defTabSz="167975" rtl="0" eaLnBrk="1" latinLnBrk="0" hangingPunct="1">
         <a:spcBef>
-          <a:spcPts val="315"/>
+          <a:spcPts val="367"/>
         </a:spcBef>
         <a:spcAft>
           <a:spcPts val="0"/>
@@ -5937,7 +5942,7 @@
         <a:buSzPct val="80000"/>
         <a:buFont typeface="Wingdings 3" charset="2"/>
         <a:buChar char=""/>
-        <a:defRPr sz="441" b="0" i="0" kern="1200">
+        <a:defRPr sz="514" b="0" i="0" kern="1200">
           <a:solidFill>
             <a:schemeClr val="tx1"/>
           </a:solidFill>
@@ -5946,9 +5951,9 @@
           <a:cs typeface="+mj-cs"/>
         </a:defRPr>
       </a:lvl8pPr>
-      <a:lvl9pPr marL="1224153" indent="-72009" algn="l" defTabSz="144018" rtl="0" eaLnBrk="1" latinLnBrk="0" hangingPunct="1">
+      <a:lvl9pPr marL="1427790" indent="-83988" algn="l" defTabSz="167975" rtl="0" eaLnBrk="1" latinLnBrk="0" hangingPunct="1">
         <a:spcBef>
-          <a:spcPts val="315"/>
+          <a:spcPts val="367"/>
         </a:spcBef>
         <a:spcAft>
           <a:spcPts val="0"/>
@@ -5962,7 +5967,7 @@
         <a:buSzPct val="80000"/>
         <a:buFont typeface="Wingdings 3" charset="2"/>
         <a:buChar char=""/>
-        <a:defRPr sz="441" b="0" i="0" kern="1200">
+        <a:defRPr sz="514" b="0" i="0" kern="1200">
           <a:solidFill>
             <a:schemeClr val="tx1"/>
           </a:solidFill>
@@ -5976,8 +5981,8 @@
       <a:defPPr>
         <a:defRPr lang="en-US"/>
       </a:defPPr>
-      <a:lvl1pPr marL="0" algn="l" defTabSz="144018" rtl="0" eaLnBrk="1" latinLnBrk="0" hangingPunct="1">
-        <a:defRPr sz="567" kern="1200">
+      <a:lvl1pPr marL="0" algn="l" defTabSz="167975" rtl="0" eaLnBrk="1" latinLnBrk="0" hangingPunct="1">
+        <a:defRPr sz="661" kern="1200">
           <a:solidFill>
             <a:schemeClr val="tx1"/>
           </a:solidFill>
@@ -5986,8 +5991,8 @@
           <a:cs typeface="+mn-cs"/>
         </a:defRPr>
       </a:lvl1pPr>
-      <a:lvl2pPr marL="144018" algn="l" defTabSz="144018" rtl="0" eaLnBrk="1" latinLnBrk="0" hangingPunct="1">
-        <a:defRPr sz="567" kern="1200">
+      <a:lvl2pPr marL="167975" algn="l" defTabSz="167975" rtl="0" eaLnBrk="1" latinLnBrk="0" hangingPunct="1">
+        <a:defRPr sz="661" kern="1200">
           <a:solidFill>
             <a:schemeClr val="tx1"/>
           </a:solidFill>
@@ -5996,8 +6001,8 @@
           <a:cs typeface="+mn-cs"/>
         </a:defRPr>
       </a:lvl2pPr>
-      <a:lvl3pPr marL="288036" algn="l" defTabSz="144018" rtl="0" eaLnBrk="1" latinLnBrk="0" hangingPunct="1">
-        <a:defRPr sz="567" kern="1200">
+      <a:lvl3pPr marL="335951" algn="l" defTabSz="167975" rtl="0" eaLnBrk="1" latinLnBrk="0" hangingPunct="1">
+        <a:defRPr sz="661" kern="1200">
           <a:solidFill>
             <a:schemeClr val="tx1"/>
           </a:solidFill>
@@ -6006,8 +6011,8 @@
           <a:cs typeface="+mn-cs"/>
         </a:defRPr>
       </a:lvl3pPr>
-      <a:lvl4pPr marL="432054" algn="l" defTabSz="144018" rtl="0" eaLnBrk="1" latinLnBrk="0" hangingPunct="1">
-        <a:defRPr sz="567" kern="1200">
+      <a:lvl4pPr marL="503926" algn="l" defTabSz="167975" rtl="0" eaLnBrk="1" latinLnBrk="0" hangingPunct="1">
+        <a:defRPr sz="661" kern="1200">
           <a:solidFill>
             <a:schemeClr val="tx1"/>
           </a:solidFill>
@@ -6016,8 +6021,8 @@
           <a:cs typeface="+mn-cs"/>
         </a:defRPr>
       </a:lvl4pPr>
-      <a:lvl5pPr marL="576072" algn="l" defTabSz="144018" rtl="0" eaLnBrk="1" latinLnBrk="0" hangingPunct="1">
-        <a:defRPr sz="567" kern="1200">
+      <a:lvl5pPr marL="671901" algn="l" defTabSz="167975" rtl="0" eaLnBrk="1" latinLnBrk="0" hangingPunct="1">
+        <a:defRPr sz="661" kern="1200">
           <a:solidFill>
             <a:schemeClr val="tx1"/>
           </a:solidFill>
@@ -6026,8 +6031,8 @@
           <a:cs typeface="+mn-cs"/>
         </a:defRPr>
       </a:lvl5pPr>
-      <a:lvl6pPr marL="720090" algn="l" defTabSz="144018" rtl="0" eaLnBrk="1" latinLnBrk="0" hangingPunct="1">
-        <a:defRPr sz="567" kern="1200">
+      <a:lvl6pPr marL="839876" algn="l" defTabSz="167975" rtl="0" eaLnBrk="1" latinLnBrk="0" hangingPunct="1">
+        <a:defRPr sz="661" kern="1200">
           <a:solidFill>
             <a:schemeClr val="tx1"/>
           </a:solidFill>
@@ -6036,8 +6041,8 @@
           <a:cs typeface="+mn-cs"/>
         </a:defRPr>
       </a:lvl6pPr>
-      <a:lvl7pPr marL="864108" algn="l" defTabSz="144018" rtl="0" eaLnBrk="1" latinLnBrk="0" hangingPunct="1">
-        <a:defRPr sz="567" kern="1200">
+      <a:lvl7pPr marL="1007852" algn="l" defTabSz="167975" rtl="0" eaLnBrk="1" latinLnBrk="0" hangingPunct="1">
+        <a:defRPr sz="661" kern="1200">
           <a:solidFill>
             <a:schemeClr val="tx1"/>
           </a:solidFill>
@@ -6046,8 +6051,8 @@
           <a:cs typeface="+mn-cs"/>
         </a:defRPr>
       </a:lvl7pPr>
-      <a:lvl8pPr marL="1008126" algn="l" defTabSz="144018" rtl="0" eaLnBrk="1" latinLnBrk="0" hangingPunct="1">
-        <a:defRPr sz="567" kern="1200">
+      <a:lvl8pPr marL="1175827" algn="l" defTabSz="167975" rtl="0" eaLnBrk="1" latinLnBrk="0" hangingPunct="1">
+        <a:defRPr sz="661" kern="1200">
           <a:solidFill>
             <a:schemeClr val="tx1"/>
           </a:solidFill>
@@ -6056,8 +6061,8 @@
           <a:cs typeface="+mn-cs"/>
         </a:defRPr>
       </a:lvl8pPr>
-      <a:lvl9pPr marL="1152144" algn="l" defTabSz="144018" rtl="0" eaLnBrk="1" latinLnBrk="0" hangingPunct="1">
-        <a:defRPr sz="567" kern="1200">
+      <a:lvl9pPr marL="1343802" algn="l" defTabSz="167975" rtl="0" eaLnBrk="1" latinLnBrk="0" hangingPunct="1">
+        <a:defRPr sz="661" kern="1200">
           <a:solidFill>
             <a:schemeClr val="tx1"/>
           </a:solidFill>
@@ -6102,8 +6107,8 @@
         </p:nvSpPr>
         <p:spPr>
           <a:xfrm>
-            <a:off x="367323" y="273538"/>
-            <a:ext cx="11660554" cy="1692771"/>
+            <a:off x="3427229" y="452925"/>
+            <a:ext cx="11660554" cy="1817742"/>
           </a:xfrm>
           <a:prstGeom prst="rect">
             <a:avLst/>
@@ -6163,7 +6168,7 @@
         </p:nvSpPr>
         <p:spPr>
           <a:xfrm>
-            <a:off x="9464431" y="1438031"/>
+            <a:off x="12524338" y="1617418"/>
             <a:ext cx="2289907" cy="528278"/>
           </a:xfrm>
           <a:prstGeom prst="roundRect">
@@ -6230,31 +6235,6 @@
       </p:grpSpPr>
       <p:sp>
         <p:nvSpPr>
-          <p:cNvPr id="2" name="Título 1">
-            <a:extLst>
-              <a:ext uri="{FF2B5EF4-FFF2-40B4-BE49-F238E27FC236}">
-                <a16:creationId xmlns:a16="http://schemas.microsoft.com/office/drawing/2014/main" id="{FD81E2D0-0B6E-407A-93B9-5F05BA72560B}"/>
-              </a:ext>
-            </a:extLst>
-          </p:cNvPr>
-          <p:cNvSpPr>
-            <a:spLocks noGrp="1"/>
-          </p:cNvSpPr>
-          <p:nvPr>
-            <p:ph type="title"/>
-          </p:nvPr>
-        </p:nvSpPr>
-        <p:spPr/>
-        <p:txBody>
-          <a:bodyPr/>
-          <a:lstStyle/>
-          <a:p>
-            <a:endParaRPr lang="pt-BR"/>
-          </a:p>
-        </p:txBody>
-      </p:sp>
-      <p:sp>
-        <p:nvSpPr>
           <p:cNvPr id="4" name="Retângulo 3">
             <a:extLst>
               <a:ext uri="{FF2B5EF4-FFF2-40B4-BE49-F238E27FC236}">
@@ -6267,8 +6247,8 @@
         </p:nvSpPr>
         <p:spPr>
           <a:xfrm>
-            <a:off x="0" y="0"/>
-            <a:ext cx="12192000" cy="2160588"/>
+            <a:off x="-1" y="0"/>
+            <a:ext cx="18311813" cy="2519363"/>
           </a:xfrm>
           <a:prstGeom prst="rect">
             <a:avLst/>
@@ -6301,41 +6281,26 @@
       </p:sp>
       <p:sp>
         <p:nvSpPr>
-          <p:cNvPr id="5" name="CaixaDeTexto 4">
+          <p:cNvPr id="2" name="Título 1">
             <a:extLst>
               <a:ext uri="{FF2B5EF4-FFF2-40B4-BE49-F238E27FC236}">
-                <a16:creationId xmlns:a16="http://schemas.microsoft.com/office/drawing/2014/main" id="{E463BDB3-9655-416A-94AF-E1DF7CCF90B9}"/>
+                <a16:creationId xmlns:a16="http://schemas.microsoft.com/office/drawing/2014/main" id="{FD81E2D0-0B6E-407A-93B9-5F05BA72560B}"/>
               </a:ext>
             </a:extLst>
           </p:cNvPr>
-          <p:cNvSpPr txBox="1"/>
-          <p:nvPr/>
-        </p:nvSpPr>
-        <p:spPr>
-          <a:xfrm>
-            <a:off x="367323" y="336062"/>
-            <a:ext cx="9464431" cy="1286186"/>
-          </a:xfrm>
-          <a:prstGeom prst="rect">
-            <a:avLst/>
-          </a:prstGeom>
-          <a:noFill/>
-        </p:spPr>
-        <p:txBody>
-          <a:bodyPr wrap="square" rtlCol="0">
-            <a:spAutoFit/>
-          </a:bodyPr>
+          <p:cNvSpPr>
+            <a:spLocks noGrp="1"/>
+          </p:cNvSpPr>
+          <p:nvPr>
+            <p:ph type="title"/>
+          </p:nvPr>
+        </p:nvSpPr>
+        <p:spPr/>
+        <p:txBody>
+          <a:bodyPr/>
           <a:lstStyle/>
           <a:p>
-            <a:pPr>
-              <a:lnSpc>
-                <a:spcPct val="150000"/>
-              </a:lnSpc>
-            </a:pPr>
-            <a:r>
-              <a:rPr lang="pt-BR" dirty="0"/>
-              <a:t>A Brapci Livros é uma parceria entre a Universidade Federal do Rio Grande do Sul (UFRGS) e a Universidade Federal do Estado do Rio de Janeiro (UNIRIO) para preservação e acesso a obras produzidos em Ciência da Informação</a:t>
-            </a:r>
+            <a:endParaRPr lang="pt-BR"/>
           </a:p>
         </p:txBody>
       </p:sp>
@@ -6372,11 +6337,51 @@
         </p:blipFill>
         <p:spPr>
           <a:xfrm>
-            <a:off x="9325025" y="777294"/>
-            <a:ext cx="2866975" cy="1322387"/>
+            <a:off x="14192721" y="977901"/>
+            <a:ext cx="3341936" cy="1541462"/>
           </a:xfrm>
         </p:spPr>
       </p:pic>
+      <p:sp>
+        <p:nvSpPr>
+          <p:cNvPr id="5" name="CaixaDeTexto 4">
+            <a:extLst>
+              <a:ext uri="{FF2B5EF4-FFF2-40B4-BE49-F238E27FC236}">
+                <a16:creationId xmlns:a16="http://schemas.microsoft.com/office/drawing/2014/main" id="{E463BDB3-9655-416A-94AF-E1DF7CCF90B9}"/>
+              </a:ext>
+            </a:extLst>
+          </p:cNvPr>
+          <p:cNvSpPr txBox="1"/>
+          <p:nvPr/>
+        </p:nvSpPr>
+        <p:spPr>
+          <a:xfrm>
+            <a:off x="3951136" y="811590"/>
+            <a:ext cx="9464431" cy="3030766"/>
+          </a:xfrm>
+          <a:prstGeom prst="rect">
+            <a:avLst/>
+          </a:prstGeom>
+          <a:noFill/>
+        </p:spPr>
+        <p:txBody>
+          <a:bodyPr wrap="square" rtlCol="0">
+            <a:spAutoFit/>
+          </a:bodyPr>
+          <a:lstStyle/>
+          <a:p>
+            <a:pPr>
+              <a:lnSpc>
+                <a:spcPct val="150000"/>
+              </a:lnSpc>
+            </a:pPr>
+            <a:r>
+              <a:rPr lang="pt-BR" dirty="0"/>
+              <a:t>A Brapci Livros é uma parceria entre a Universidade Federal do Rio Grande do Sul (UFRGS) e a Universidade Federal do Estado do Rio de Janeiro (UNIRIO) para preservação e acesso a obras produzidos em Ciência da Informação</a:t>
+            </a:r>
+          </a:p>
+        </p:txBody>
+      </p:sp>
     </p:spTree>
     <p:extLst>
       <p:ext uri="{BB962C8B-B14F-4D97-AF65-F5344CB8AC3E}">
@@ -6409,31 +6414,6 @@
       </p:grpSpPr>
       <p:sp>
         <p:nvSpPr>
-          <p:cNvPr id="2" name="Título 1">
-            <a:extLst>
-              <a:ext uri="{FF2B5EF4-FFF2-40B4-BE49-F238E27FC236}">
-                <a16:creationId xmlns:a16="http://schemas.microsoft.com/office/drawing/2014/main" id="{FD81E2D0-0B6E-407A-93B9-5F05BA72560B}"/>
-              </a:ext>
-            </a:extLst>
-          </p:cNvPr>
-          <p:cNvSpPr>
-            <a:spLocks noGrp="1"/>
-          </p:cNvSpPr>
-          <p:nvPr>
-            <p:ph type="title"/>
-          </p:nvPr>
-        </p:nvSpPr>
-        <p:spPr/>
-        <p:txBody>
-          <a:bodyPr/>
-          <a:lstStyle/>
-          <a:p>
-            <a:endParaRPr lang="pt-BR"/>
-          </a:p>
-        </p:txBody>
-      </p:sp>
-      <p:sp>
-        <p:nvSpPr>
           <p:cNvPr id="4" name="Retângulo 3">
             <a:extLst>
               <a:ext uri="{FF2B5EF4-FFF2-40B4-BE49-F238E27FC236}">
@@ -6446,8 +6426,8 @@
         </p:nvSpPr>
         <p:spPr>
           <a:xfrm>
-            <a:off x="0" y="0"/>
-            <a:ext cx="12192000" cy="2160588"/>
+            <a:off x="-1" y="0"/>
+            <a:ext cx="18311813" cy="2519363"/>
           </a:xfrm>
           <a:prstGeom prst="rect">
             <a:avLst/>
@@ -6501,41 +6481,26 @@
       </p:sp>
       <p:sp>
         <p:nvSpPr>
-          <p:cNvPr id="5" name="CaixaDeTexto 4">
+          <p:cNvPr id="2" name="Título 1">
             <a:extLst>
               <a:ext uri="{FF2B5EF4-FFF2-40B4-BE49-F238E27FC236}">
-                <a16:creationId xmlns:a16="http://schemas.microsoft.com/office/drawing/2014/main" id="{E463BDB3-9655-416A-94AF-E1DF7CCF90B9}"/>
+                <a16:creationId xmlns:a16="http://schemas.microsoft.com/office/drawing/2014/main" id="{FD81E2D0-0B6E-407A-93B9-5F05BA72560B}"/>
               </a:ext>
             </a:extLst>
           </p:cNvPr>
-          <p:cNvSpPr txBox="1"/>
-          <p:nvPr/>
-        </p:nvSpPr>
-        <p:spPr>
-          <a:xfrm>
-            <a:off x="367324" y="142627"/>
-            <a:ext cx="7315624" cy="1701684"/>
-          </a:xfrm>
-          <a:prstGeom prst="rect">
-            <a:avLst/>
-          </a:prstGeom>
-          <a:noFill/>
-        </p:spPr>
-        <p:txBody>
-          <a:bodyPr wrap="square" rtlCol="0">
-            <a:spAutoFit/>
-          </a:bodyPr>
+          <p:cNvSpPr>
+            <a:spLocks noGrp="1"/>
+          </p:cNvSpPr>
+          <p:nvPr>
+            <p:ph type="title"/>
+          </p:nvPr>
+        </p:nvSpPr>
+        <p:spPr/>
+        <p:txBody>
+          <a:bodyPr/>
           <a:lstStyle/>
           <a:p>
-            <a:pPr>
-              <a:lnSpc>
-                <a:spcPct val="150000"/>
-              </a:lnSpc>
-            </a:pPr>
-            <a:r>
-              <a:rPr lang="pt-BR" dirty="0"/>
-              <a:t>A Brapci Livros é uma parceria entre a Universidade Federal do Rio Grande do Sul (UFRGS) e a Universidade Federal do Estado do Rio de Janeiro (UNIRIO) para preservação e acesso a obras produzidos em Ciência da Informação</a:t>
-            </a:r>
+            <a:endParaRPr lang="pt-BR"/>
           </a:p>
         </p:txBody>
       </p:sp>
@@ -6572,11 +6537,51 @@
         </p:blipFill>
         <p:spPr>
           <a:xfrm>
-            <a:off x="8995509" y="0"/>
-            <a:ext cx="3196492" cy="2160588"/>
+            <a:off x="14357268" y="-1"/>
+            <a:ext cx="3723807" cy="2517013"/>
           </a:xfrm>
         </p:spPr>
       </p:pic>
+      <p:sp>
+        <p:nvSpPr>
+          <p:cNvPr id="5" name="CaixaDeTexto 4">
+            <a:extLst>
+              <a:ext uri="{FF2B5EF4-FFF2-40B4-BE49-F238E27FC236}">
+                <a16:creationId xmlns:a16="http://schemas.microsoft.com/office/drawing/2014/main" id="{E463BDB3-9655-416A-94AF-E1DF7CCF90B9}"/>
+              </a:ext>
+            </a:extLst>
+          </p:cNvPr>
+          <p:cNvSpPr txBox="1"/>
+          <p:nvPr/>
+        </p:nvSpPr>
+        <p:spPr>
+          <a:xfrm>
+            <a:off x="3427230" y="322014"/>
+            <a:ext cx="7315624" cy="3633752"/>
+          </a:xfrm>
+          <a:prstGeom prst="rect">
+            <a:avLst/>
+          </a:prstGeom>
+          <a:noFill/>
+        </p:spPr>
+        <p:txBody>
+          <a:bodyPr wrap="square" rtlCol="0">
+            <a:spAutoFit/>
+          </a:bodyPr>
+          <a:lstStyle/>
+          <a:p>
+            <a:pPr>
+              <a:lnSpc>
+                <a:spcPct val="150000"/>
+              </a:lnSpc>
+            </a:pPr>
+            <a:r>
+              <a:rPr lang="pt-BR" dirty="0"/>
+              <a:t>A Brapci Livros é uma parceria entre a Universidade Federal do Rio Grande do Sul (UFRGS) e a Universidade Federal do Estado do Rio de Janeiro (UNIRIO) para preservação e acesso a obras produzidos em Ciência da Informação</a:t>
+            </a:r>
+          </a:p>
+        </p:txBody>
+      </p:sp>
     </p:spTree>
     <p:extLst>
       <p:ext uri="{BB962C8B-B14F-4D97-AF65-F5344CB8AC3E}">
